--- a/documents/Präsentation/Regex_LukasSchulz.pptx
+++ b/documents/Präsentation/Regex_LukasSchulz.pptx
@@ -5,18 +5,15 @@
     <p:sldMasterId id="2147483648" r:id="rId4"/>
   </p:sldMasterIdLst>
   <p:notesMasterIdLst>
-    <p:notesMasterId r:id="rId11"/>
+    <p:notesMasterId r:id="rId8"/>
   </p:notesMasterIdLst>
   <p:handoutMasterIdLst>
-    <p:handoutMasterId r:id="rId12"/>
+    <p:handoutMasterId r:id="rId9"/>
   </p:handoutMasterIdLst>
   <p:sldIdLst>
-    <p:sldId id="263" r:id="rId5"/>
-    <p:sldId id="262" r:id="rId6"/>
-    <p:sldId id="265" r:id="rId7"/>
-    <p:sldId id="264" r:id="rId8"/>
-    <p:sldId id="266" r:id="rId9"/>
-    <p:sldId id="261" r:id="rId10"/>
+    <p:sldId id="262" r:id="rId5"/>
+    <p:sldId id="265" r:id="rId6"/>
+    <p:sldId id="261" r:id="rId7"/>
   </p:sldIdLst>
   <p:sldSz cx="9144000" cy="5143500" type="screen16x9"/>
   <p:notesSz cx="6858000" cy="9144000"/>
@@ -400,7 +397,7 @@
           <a:p>
             <a:fld id="{90BC4B87-6123-4AD5-BA18-D0C615F32DE0}" type="datetimeFigureOut">
               <a:rPr lang="de-DE" smtClean="0"/>
-              <a:t>27.06.19</a:t>
+              <a:t>28.06.19</a:t>
             </a:fld>
             <a:endParaRPr lang="de-DE"/>
           </a:p>
@@ -713,24 +710,7 @@
           <a:p>
             <a:r>
               <a:rPr lang="de-DE" dirty="0"/>
-              <a:t>Oben ist der Output des Python-Prozesses in der CLI/CMD</a:t>
-            </a:r>
-          </a:p>
-          <a:p>
-            <a:endParaRPr lang="de-DE" dirty="0"/>
-          </a:p>
-          <a:p>
-            <a:r>
-              <a:rPr lang="de-DE" dirty="0"/>
-              <a:t>Unten ist der Reguläre Ausdruck, gegen den der Prozess </a:t>
-            </a:r>
-            <a:r>
-              <a:rPr lang="de-DE" dirty="0" err="1"/>
-              <a:t>gematcht</a:t>
-            </a:r>
-            <a:r>
-              <a:rPr lang="de-DE" dirty="0"/>
-              <a:t> wird</a:t>
+              <a:t>SINGLE_PIC_OUTPUT: Der Output eines Bildes. Es gibt mehrere.</a:t>
             </a:r>
           </a:p>
         </p:txBody>
@@ -761,7 +741,7 @@
     </p:spTree>
     <p:extLst>
       <p:ext uri="{BB962C8B-B14F-4D97-AF65-F5344CB8AC3E}">
-        <p14:creationId xmlns:p14="http://schemas.microsoft.com/office/powerpoint/2010/main" val="993676006"/>
+        <p14:creationId xmlns:p14="http://schemas.microsoft.com/office/powerpoint/2010/main" val="610068822"/>
       </p:ext>
     </p:extLst>
   </p:cSld>
@@ -817,7 +797,13 @@
           <a:p>
             <a:r>
               <a:rPr lang="de-DE" dirty="0"/>
-              <a:t>SINGLE_PIC_OUTPUT: Der Output eines Bildes. Es gibt mehrere.</a:t>
+              <a:t>Array 1: Index der zugewiesenen Emotion und ihres Gewichts werden an [0] gespeichert. Die anderen Emotionen danach.</a:t>
+            </a:r>
+          </a:p>
+          <a:p>
+            <a:r>
+              <a:rPr lang="de-DE" dirty="0"/>
+              <a:t>Array 2: Die zugewiesenen Gewichtungen</a:t>
             </a:r>
           </a:p>
         </p:txBody>
@@ -848,7 +834,7 @@
     </p:spTree>
     <p:extLst>
       <p:ext uri="{BB962C8B-B14F-4D97-AF65-F5344CB8AC3E}">
-        <p14:creationId xmlns:p14="http://schemas.microsoft.com/office/powerpoint/2010/main" val="610068822"/>
+        <p14:creationId xmlns:p14="http://schemas.microsoft.com/office/powerpoint/2010/main" val="2198480873"/>
       </p:ext>
     </p:extLst>
   </p:cSld>
@@ -904,14 +890,17 @@
           <a:p>
             <a:r>
               <a:rPr lang="de-DE" dirty="0"/>
-              <a:t>Array 1: Index der zugewiesenen Emotion und ihres Gewichts werden an [0] gespeichert. Die anderen Emotionen danach.</a:t>
-            </a:r>
-          </a:p>
-          <a:p>
-            <a:r>
-              <a:rPr lang="de-DE" dirty="0"/>
-              <a:t>Array 2: Die zugewiesenen Gewichtungen</a:t>
-            </a:r>
+              <a:t>Wie ist die Zahl an der Stelle aufgebaut?</a:t>
+            </a:r>
+          </a:p>
+          <a:p>
+            <a:r>
+              <a:rPr lang="de-DE" dirty="0"/>
+              <a:t>Allg.: Wie ist das Ergebnis aufgebaut? Welche Änderungen können vorkommen?</a:t>
+            </a:r>
+          </a:p>
+          <a:p>
+            <a:endParaRPr lang="de-DE" dirty="0"/>
           </a:p>
         </p:txBody>
       </p:sp>
@@ -933,296 +922,6 @@
             <a:fld id="{5ED54D14-BD7D-4C86-87A4-3C7AAB60AB5B}" type="slidenum">
               <a:rPr lang="de-DE" smtClean="0"/>
               <a:t>3</a:t>
-            </a:fld>
-            <a:endParaRPr lang="de-DE"/>
-          </a:p>
-        </p:txBody>
-      </p:sp>
-    </p:spTree>
-    <p:extLst>
-      <p:ext uri="{BB962C8B-B14F-4D97-AF65-F5344CB8AC3E}">
-        <p14:creationId xmlns:p14="http://schemas.microsoft.com/office/powerpoint/2010/main" val="2198480873"/>
-      </p:ext>
-    </p:extLst>
-  </p:cSld>
-  <p:clrMapOvr>
-    <a:masterClrMapping/>
-  </p:clrMapOvr>
-</p:notes>
-</file>
-
-<file path=ppt/notesSlides/notesSlide4.xml><?xml version="1.0" encoding="utf-8"?>
-<p:notes xmlns:a="http://schemas.openxmlformats.org/drawingml/2006/main" xmlns:r="http://schemas.openxmlformats.org/officeDocument/2006/relationships" xmlns:p="http://schemas.openxmlformats.org/presentationml/2006/main">
-  <p:cSld>
-    <p:spTree>
-      <p:nvGrpSpPr>
-        <p:cNvPr id="1" name=""/>
-        <p:cNvGrpSpPr/>
-        <p:nvPr/>
-      </p:nvGrpSpPr>
-      <p:grpSpPr>
-        <a:xfrm>
-          <a:off x="0" y="0"/>
-          <a:ext cx="0" cy="0"/>
-          <a:chOff x="0" y="0"/>
-          <a:chExt cx="0" cy="0"/>
-        </a:xfrm>
-      </p:grpSpPr>
-      <p:sp>
-        <p:nvSpPr>
-          <p:cNvPr id="2" name="Folienbildplatzhalter 1"/>
-          <p:cNvSpPr>
-            <a:spLocks noGrp="1" noRot="1" noChangeAspect="1"/>
-          </p:cNvSpPr>
-          <p:nvPr>
-            <p:ph type="sldImg"/>
-          </p:nvPr>
-        </p:nvSpPr>
-        <p:spPr/>
-      </p:sp>
-      <p:sp>
-        <p:nvSpPr>
-          <p:cNvPr id="3" name="Notizenplatzhalter 2"/>
-          <p:cNvSpPr>
-            <a:spLocks noGrp="1"/>
-          </p:cNvSpPr>
-          <p:nvPr>
-            <p:ph type="body" idx="1"/>
-          </p:nvPr>
-        </p:nvSpPr>
-        <p:spPr/>
-        <p:txBody>
-          <a:bodyPr/>
-          <a:lstStyle/>
-          <a:p>
-            <a:r>
-              <a:rPr lang="de-DE" dirty="0"/>
-              <a:t>Array 1 und seine Bestandteile: [0], Restliche Rangfolge der Emotionen, Datentyp, Komma, Leerzeichen,</a:t>
-            </a:r>
-          </a:p>
-          <a:p>
-            <a:r>
-              <a:rPr lang="de-DE" dirty="0"/>
-              <a:t>Mit * können existieren oder auch nicht; Anzahl egal. Hilft nicht gegen </a:t>
-            </a:r>
-            <a:r>
-              <a:rPr lang="de-DE" dirty="0" err="1"/>
-              <a:t>Newline</a:t>
-            </a:r>
-            <a:r>
-              <a:rPr lang="de-DE" dirty="0"/>
-              <a:t>.</a:t>
-            </a:r>
-          </a:p>
-          <a:p>
-            <a:endParaRPr lang="de-DE" dirty="0"/>
-          </a:p>
-        </p:txBody>
-      </p:sp>
-      <p:sp>
-        <p:nvSpPr>
-          <p:cNvPr id="4" name="Foliennummernplatzhalter 3"/>
-          <p:cNvSpPr>
-            <a:spLocks noGrp="1"/>
-          </p:cNvSpPr>
-          <p:nvPr>
-            <p:ph type="sldNum" sz="quarter" idx="5"/>
-          </p:nvPr>
-        </p:nvSpPr>
-        <p:spPr/>
-        <p:txBody>
-          <a:bodyPr/>
-          <a:lstStyle/>
-          <a:p>
-            <a:fld id="{5ED54D14-BD7D-4C86-87A4-3C7AAB60AB5B}" type="slidenum">
-              <a:rPr lang="de-DE" smtClean="0"/>
-              <a:t>4</a:t>
-            </a:fld>
-            <a:endParaRPr lang="de-DE"/>
-          </a:p>
-        </p:txBody>
-      </p:sp>
-    </p:spTree>
-    <p:extLst>
-      <p:ext uri="{BB962C8B-B14F-4D97-AF65-F5344CB8AC3E}">
-        <p14:creationId xmlns:p14="http://schemas.microsoft.com/office/powerpoint/2010/main" val="4288298390"/>
-      </p:ext>
-    </p:extLst>
-  </p:cSld>
-  <p:clrMapOvr>
-    <a:masterClrMapping/>
-  </p:clrMapOvr>
-</p:notes>
-</file>
-
-<file path=ppt/notesSlides/notesSlide5.xml><?xml version="1.0" encoding="utf-8"?>
-<p:notes xmlns:a="http://schemas.openxmlformats.org/drawingml/2006/main" xmlns:r="http://schemas.openxmlformats.org/officeDocument/2006/relationships" xmlns:p="http://schemas.openxmlformats.org/presentationml/2006/main">
-  <p:cSld>
-    <p:spTree>
-      <p:nvGrpSpPr>
-        <p:cNvPr id="1" name=""/>
-        <p:cNvGrpSpPr/>
-        <p:nvPr/>
-      </p:nvGrpSpPr>
-      <p:grpSpPr>
-        <a:xfrm>
-          <a:off x="0" y="0"/>
-          <a:ext cx="0" cy="0"/>
-          <a:chOff x="0" y="0"/>
-          <a:chExt cx="0" cy="0"/>
-        </a:xfrm>
-      </p:grpSpPr>
-      <p:sp>
-        <p:nvSpPr>
-          <p:cNvPr id="2" name="Folienbildplatzhalter 1"/>
-          <p:cNvSpPr>
-            <a:spLocks noGrp="1" noRot="1" noChangeAspect="1"/>
-          </p:cNvSpPr>
-          <p:nvPr>
-            <p:ph type="sldImg"/>
-          </p:nvPr>
-        </p:nvSpPr>
-        <p:spPr/>
-      </p:sp>
-      <p:sp>
-        <p:nvSpPr>
-          <p:cNvPr id="3" name="Notizenplatzhalter 2"/>
-          <p:cNvSpPr>
-            <a:spLocks noGrp="1"/>
-          </p:cNvSpPr>
-          <p:nvPr>
-            <p:ph type="body" idx="1"/>
-          </p:nvPr>
-        </p:nvSpPr>
-        <p:spPr/>
-        <p:txBody>
-          <a:bodyPr/>
-          <a:lstStyle/>
-          <a:p>
-            <a:r>
-              <a:rPr lang="de-DE" dirty="0"/>
-              <a:t>Die Einzelnen Gewichtungen und Ihre entsprechenden Subpattern. Jedes Array hat ein eigenes Subpattern, dem einfacheren Zugriff geschuldet.</a:t>
-            </a:r>
-          </a:p>
-          <a:p>
-            <a:endParaRPr lang="de-DE" dirty="0"/>
-          </a:p>
-        </p:txBody>
-      </p:sp>
-      <p:sp>
-        <p:nvSpPr>
-          <p:cNvPr id="4" name="Foliennummernplatzhalter 3"/>
-          <p:cNvSpPr>
-            <a:spLocks noGrp="1"/>
-          </p:cNvSpPr>
-          <p:nvPr>
-            <p:ph type="sldNum" sz="quarter" idx="5"/>
-          </p:nvPr>
-        </p:nvSpPr>
-        <p:spPr/>
-        <p:txBody>
-          <a:bodyPr/>
-          <a:lstStyle/>
-          <a:p>
-            <a:fld id="{5ED54D14-BD7D-4C86-87A4-3C7AAB60AB5B}" type="slidenum">
-              <a:rPr lang="de-DE" smtClean="0"/>
-              <a:t>5</a:t>
-            </a:fld>
-            <a:endParaRPr lang="de-DE"/>
-          </a:p>
-        </p:txBody>
-      </p:sp>
-    </p:spTree>
-    <p:extLst>
-      <p:ext uri="{BB962C8B-B14F-4D97-AF65-F5344CB8AC3E}">
-        <p14:creationId xmlns:p14="http://schemas.microsoft.com/office/powerpoint/2010/main" val="3016688401"/>
-      </p:ext>
-    </p:extLst>
-  </p:cSld>
-  <p:clrMapOvr>
-    <a:masterClrMapping/>
-  </p:clrMapOvr>
-</p:notes>
-</file>
-
-<file path=ppt/notesSlides/notesSlide6.xml><?xml version="1.0" encoding="utf-8"?>
-<p:notes xmlns:a="http://schemas.openxmlformats.org/drawingml/2006/main" xmlns:r="http://schemas.openxmlformats.org/officeDocument/2006/relationships" xmlns:p="http://schemas.openxmlformats.org/presentationml/2006/main">
-  <p:cSld>
-    <p:spTree>
-      <p:nvGrpSpPr>
-        <p:cNvPr id="1" name=""/>
-        <p:cNvGrpSpPr/>
-        <p:nvPr/>
-      </p:nvGrpSpPr>
-      <p:grpSpPr>
-        <a:xfrm>
-          <a:off x="0" y="0"/>
-          <a:ext cx="0" cy="0"/>
-          <a:chOff x="0" y="0"/>
-          <a:chExt cx="0" cy="0"/>
-        </a:xfrm>
-      </p:grpSpPr>
-      <p:sp>
-        <p:nvSpPr>
-          <p:cNvPr id="2" name="Folienbildplatzhalter 1"/>
-          <p:cNvSpPr>
-            <a:spLocks noGrp="1" noRot="1" noChangeAspect="1"/>
-          </p:cNvSpPr>
-          <p:nvPr>
-            <p:ph type="sldImg"/>
-          </p:nvPr>
-        </p:nvSpPr>
-        <p:spPr/>
-      </p:sp>
-      <p:sp>
-        <p:nvSpPr>
-          <p:cNvPr id="3" name="Notizenplatzhalter 2"/>
-          <p:cNvSpPr>
-            <a:spLocks noGrp="1"/>
-          </p:cNvSpPr>
-          <p:nvPr>
-            <p:ph type="body" idx="1"/>
-          </p:nvPr>
-        </p:nvSpPr>
-        <p:spPr/>
-        <p:txBody>
-          <a:bodyPr/>
-          <a:lstStyle/>
-          <a:p>
-            <a:r>
-              <a:rPr lang="de-DE" dirty="0"/>
-              <a:t>Wie ist die Zahl an der Stelle aufgebaut?</a:t>
-            </a:r>
-          </a:p>
-          <a:p>
-            <a:r>
-              <a:rPr lang="de-DE" dirty="0"/>
-              <a:t>Allg.: Wie ist das Ergebnis aufgebaut? Welche Änderungen können vorkommen?</a:t>
-            </a:r>
-          </a:p>
-          <a:p>
-            <a:endParaRPr lang="de-DE" dirty="0"/>
-          </a:p>
-        </p:txBody>
-      </p:sp>
-      <p:sp>
-        <p:nvSpPr>
-          <p:cNvPr id="4" name="Foliennummernplatzhalter 3"/>
-          <p:cNvSpPr>
-            <a:spLocks noGrp="1"/>
-          </p:cNvSpPr>
-          <p:nvPr>
-            <p:ph type="sldNum" sz="quarter" idx="5"/>
-          </p:nvPr>
-        </p:nvSpPr>
-        <p:spPr/>
-        <p:txBody>
-          <a:bodyPr/>
-          <a:lstStyle/>
-          <a:p>
-            <a:fld id="{5ED54D14-BD7D-4C86-87A4-3C7AAB60AB5B}" type="slidenum">
-              <a:rPr lang="de-DE" smtClean="0"/>
-              <a:t>6</a:t>
             </a:fld>
             <a:endParaRPr lang="de-DE"/>
           </a:p>
@@ -7126,8 +6825,12 @@
           <a:lstStyle/>
           <a:p>
             <a:r>
-              <a:rPr lang="de-DE" dirty="0"/>
-              <a:t>Reguläre Ausdrücke</a:t>
+              <a:rPr lang="de-DE"/>
+              <a:t>Reguläre Ausdrücke – SINGLE</a:t>
+            </a:r>
+            <a:r>
+              <a:rPr lang="de-DE" dirty="0"/>
+              <a:t>_PIC_OUTPUT</a:t>
             </a:r>
           </a:p>
         </p:txBody>
@@ -7194,10 +6897,10 @@
       </p:sp>
       <p:sp>
         <p:nvSpPr>
-          <p:cNvPr id="13" name="Rechteck 12">
+          <p:cNvPr id="16" name="Rechteck 15">
             <a:extLst>
               <a:ext uri="{FF2B5EF4-FFF2-40B4-BE49-F238E27FC236}">
-                <a16:creationId xmlns:a16="http://schemas.microsoft.com/office/drawing/2014/main" id="{D4BF42B8-7427-7540-803D-7C40F12791CB}"/>
+                <a16:creationId xmlns:a16="http://schemas.microsoft.com/office/drawing/2014/main" id="{0A05A358-D871-5843-BA6C-3BC368267882}"/>
               </a:ext>
             </a:extLst>
           </p:cNvPr>
@@ -7206,7 +6909,7 @@
         </p:nvSpPr>
         <p:spPr>
           <a:xfrm>
-            <a:off x="146750" y="2011544"/>
+            <a:off x="146750" y="2007000"/>
             <a:ext cx="6408712" cy="2462213"/>
           </a:xfrm>
           <a:prstGeom prst="rect">
@@ -7220,166 +6923,365 @@
           <a:lstStyle/>
           <a:p>
             <a:r>
-              <a:rPr lang="de-DE" dirty="0"/>
+              <a:rPr lang="de-DE" dirty="0">
+                <a:solidFill>
+                  <a:schemeClr val="tx2">
+                    <a:lumMod val="50000"/>
+                  </a:schemeClr>
+                </a:solidFill>
+              </a:rPr>
               <a:t>(?&lt;SINGLE_PIC_OUTPUT&gt;\(</a:t>
             </a:r>
             <a:r>
-              <a:rPr lang="de-DE" dirty="0" err="1"/>
+              <a:rPr lang="de-DE" dirty="0" err="1">
+                <a:solidFill>
+                  <a:schemeClr val="tx2">
+                    <a:lumMod val="50000"/>
+                  </a:schemeClr>
+                </a:solidFill>
+              </a:rPr>
               <a:t>ar+ay</a:t>
             </a:r>
             <a:r>
-              <a:rPr lang="de-DE" dirty="0"/>
+              <a:rPr lang="de-DE" dirty="0">
+                <a:solidFill>
+                  <a:schemeClr val="tx2">
+                    <a:lumMod val="50000"/>
+                  </a:schemeClr>
+                </a:solidFill>
+              </a:rPr>
               <a:t>\(\[</a:t>
             </a:r>
           </a:p>
           <a:p>
             <a:r>
-              <a:rPr lang="de-DE" dirty="0"/>
+              <a:rPr lang="de-DE" dirty="0">
+                <a:solidFill>
+                  <a:schemeClr val="tx2">
+                    <a:lumMod val="50000"/>
+                  </a:schemeClr>
+                </a:solidFill>
+              </a:rPr>
               <a:t>(?&lt;HIGHEST_EMO_INDEX&gt;[0-6])([,][ ]*[0-6])*\]</a:t>
             </a:r>
           </a:p>
           <a:p>
             <a:r>
-              <a:rPr lang="de-DE" dirty="0"/>
+              <a:rPr lang="de-DE" dirty="0">
+                <a:solidFill>
+                  <a:schemeClr val="tx2">
+                    <a:lumMod val="50000"/>
+                  </a:schemeClr>
+                </a:solidFill>
+              </a:rPr>
               <a:t>[, </a:t>
             </a:r>
             <a:r>
-              <a:rPr lang="de-DE" dirty="0" err="1"/>
+              <a:rPr lang="de-DE" dirty="0" err="1">
+                <a:solidFill>
+                  <a:schemeClr val="tx2">
+                    <a:lumMod val="50000"/>
+                  </a:schemeClr>
+                </a:solidFill>
+              </a:rPr>
               <a:t>dtype</a:t>
             </a:r>
             <a:r>
-              <a:rPr lang="de-DE" dirty="0"/>
+              <a:rPr lang="de-DE" dirty="0">
+                <a:solidFill>
+                  <a:schemeClr val="tx2">
+                    <a:lumMod val="50000"/>
+                  </a:schemeClr>
+                </a:solidFill>
+              </a:rPr>
               <a:t>=</a:t>
             </a:r>
             <a:r>
-              <a:rPr lang="de-DE" dirty="0" err="1"/>
+              <a:rPr lang="de-DE" dirty="0" err="1">
+                <a:solidFill>
+                  <a:schemeClr val="tx2">
+                    <a:lumMod val="50000"/>
+                  </a:schemeClr>
+                </a:solidFill>
+              </a:rPr>
               <a:t>int</a:t>
             </a:r>
             <a:r>
-              <a:rPr lang="de-DE" dirty="0"/>
+              <a:rPr lang="de-DE" dirty="0">
+                <a:solidFill>
+                  <a:schemeClr val="tx2">
+                    <a:lumMod val="50000"/>
+                  </a:schemeClr>
+                </a:solidFill>
+              </a:rPr>
               <a:t>[32|64]*]*\)[,][ ]*</a:t>
             </a:r>
           </a:p>
           <a:p>
             <a:r>
-              <a:rPr lang="de-DE" dirty="0"/>
+              <a:rPr lang="de-DE" dirty="0">
+                <a:solidFill>
+                  <a:schemeClr val="tx2">
+                    <a:lumMod val="50000"/>
+                  </a:schemeClr>
+                </a:solidFill>
+              </a:rPr>
               <a:t>(?&lt;EMO_WEIGHT_ARRAY&gt;</a:t>
             </a:r>
             <a:r>
-              <a:rPr lang="de-DE" dirty="0" err="1"/>
+              <a:rPr lang="de-DE" dirty="0" err="1">
+                <a:solidFill>
+                  <a:schemeClr val="tx2">
+                    <a:lumMod val="50000"/>
+                  </a:schemeClr>
+                </a:solidFill>
+              </a:rPr>
               <a:t>ar+ay</a:t>
             </a:r>
             <a:r>
-              <a:rPr lang="de-DE" dirty="0"/>
+              <a:rPr lang="de-DE" dirty="0">
+                <a:solidFill>
+                  <a:schemeClr val="tx2">
+                    <a:lumMod val="50000"/>
+                  </a:schemeClr>
+                </a:solidFill>
+              </a:rPr>
               <a:t>\(\[</a:t>
             </a:r>
           </a:p>
           <a:p>
             <a:r>
-              <a:rPr lang="de-DE" dirty="0"/>
+              <a:rPr lang="de-DE" dirty="0">
+                <a:solidFill>
+                  <a:schemeClr val="tx2">
+                    <a:lumMod val="50000"/>
+                  </a:schemeClr>
+                </a:solidFill>
+              </a:rPr>
               <a:t>(?&lt;EMO_WEIGHT_ARRAY0&gt;[0-9]*[.]*[0-9]*[</a:t>
             </a:r>
             <a:r>
-              <a:rPr lang="de-DE" dirty="0" err="1"/>
+              <a:rPr lang="de-DE" dirty="0" err="1">
+                <a:solidFill>
+                  <a:schemeClr val="tx2">
+                    <a:lumMod val="50000"/>
+                  </a:schemeClr>
+                </a:solidFill>
+              </a:rPr>
               <a:t>e</a:t>
             </a:r>
             <a:r>
-              <a:rPr lang="de-DE" dirty="0"/>
+              <a:rPr lang="de-DE" dirty="0">
+                <a:solidFill>
+                  <a:schemeClr val="tx2">
+                    <a:lumMod val="50000"/>
+                  </a:schemeClr>
+                </a:solidFill>
+              </a:rPr>
               <a:t>]*[-|+]*[0-9]*)[,][ ]*</a:t>
             </a:r>
           </a:p>
           <a:p>
             <a:r>
-              <a:rPr lang="de-DE" dirty="0"/>
+              <a:rPr lang="de-DE" dirty="0">
+                <a:solidFill>
+                  <a:schemeClr val="tx2">
+                    <a:lumMod val="50000"/>
+                  </a:schemeClr>
+                </a:solidFill>
+              </a:rPr>
               <a:t>(?&lt;EMO_WEIGHT_ARRAY1&gt;[0-9]*[.]*[0-9]*[</a:t>
             </a:r>
             <a:r>
-              <a:rPr lang="de-DE" dirty="0" err="1"/>
+              <a:rPr lang="de-DE" dirty="0" err="1">
+                <a:solidFill>
+                  <a:schemeClr val="tx2">
+                    <a:lumMod val="50000"/>
+                  </a:schemeClr>
+                </a:solidFill>
+              </a:rPr>
               <a:t>e</a:t>
             </a:r>
             <a:r>
-              <a:rPr lang="de-DE" dirty="0"/>
+              <a:rPr lang="de-DE" dirty="0">
+                <a:solidFill>
+                  <a:schemeClr val="tx2">
+                    <a:lumMod val="50000"/>
+                  </a:schemeClr>
+                </a:solidFill>
+              </a:rPr>
               <a:t>]*[-|+]*[0-9]*)[,][ ]*</a:t>
             </a:r>
           </a:p>
           <a:p>
             <a:r>
-              <a:rPr lang="de-DE" dirty="0"/>
+              <a:rPr lang="de-DE" dirty="0">
+                <a:solidFill>
+                  <a:schemeClr val="tx2">
+                    <a:lumMod val="50000"/>
+                  </a:schemeClr>
+                </a:solidFill>
+              </a:rPr>
               <a:t>(?&lt;EMO_WEIGHT_ARRAY2&gt;[0-9]*[.]*[0-9]*[</a:t>
             </a:r>
             <a:r>
-              <a:rPr lang="de-DE" dirty="0" err="1"/>
+              <a:rPr lang="de-DE" dirty="0" err="1">
+                <a:solidFill>
+                  <a:schemeClr val="tx2">
+                    <a:lumMod val="50000"/>
+                  </a:schemeClr>
+                </a:solidFill>
+              </a:rPr>
               <a:t>e</a:t>
             </a:r>
             <a:r>
-              <a:rPr lang="de-DE" dirty="0"/>
+              <a:rPr lang="de-DE" dirty="0">
+                <a:solidFill>
+                  <a:schemeClr val="tx2">
+                    <a:lumMod val="50000"/>
+                  </a:schemeClr>
+                </a:solidFill>
+              </a:rPr>
               <a:t>]*[-|+]*[0-9]*)[,][ ]*</a:t>
             </a:r>
           </a:p>
           <a:p>
             <a:r>
-              <a:rPr lang="de-DE" dirty="0"/>
+              <a:rPr lang="de-DE" dirty="0">
+                <a:solidFill>
+                  <a:schemeClr val="tx2">
+                    <a:lumMod val="50000"/>
+                  </a:schemeClr>
+                </a:solidFill>
+              </a:rPr>
               <a:t>(?&lt;EMO_WEIGHT_ARRAY3&gt;[0-9]*[.]*[0-9]*[</a:t>
             </a:r>
             <a:r>
-              <a:rPr lang="de-DE" dirty="0" err="1"/>
+              <a:rPr lang="de-DE" dirty="0" err="1">
+                <a:solidFill>
+                  <a:schemeClr val="tx2">
+                    <a:lumMod val="50000"/>
+                  </a:schemeClr>
+                </a:solidFill>
+              </a:rPr>
               <a:t>e</a:t>
             </a:r>
             <a:r>
-              <a:rPr lang="de-DE" dirty="0"/>
+              <a:rPr lang="de-DE" dirty="0">
+                <a:solidFill>
+                  <a:schemeClr val="tx2">
+                    <a:lumMod val="50000"/>
+                  </a:schemeClr>
+                </a:solidFill>
+              </a:rPr>
               <a:t>]*[-|+]*[0-9]*)[,][ ]*</a:t>
             </a:r>
           </a:p>
           <a:p>
             <a:r>
-              <a:rPr lang="de-DE" dirty="0"/>
+              <a:rPr lang="de-DE" dirty="0">
+                <a:solidFill>
+                  <a:schemeClr val="tx2">
+                    <a:lumMod val="50000"/>
+                  </a:schemeClr>
+                </a:solidFill>
+              </a:rPr>
               <a:t>(?&lt;EMO_WEIGHT_ARRAY4&gt;[0-9]*[.]*[0-9]*[</a:t>
             </a:r>
             <a:r>
-              <a:rPr lang="de-DE" dirty="0" err="1"/>
+              <a:rPr lang="de-DE" dirty="0" err="1">
+                <a:solidFill>
+                  <a:schemeClr val="tx2">
+                    <a:lumMod val="50000"/>
+                  </a:schemeClr>
+                </a:solidFill>
+              </a:rPr>
               <a:t>e</a:t>
             </a:r>
             <a:r>
-              <a:rPr lang="de-DE" dirty="0"/>
+              <a:rPr lang="de-DE" dirty="0">
+                <a:solidFill>
+                  <a:schemeClr val="tx2">
+                    <a:lumMod val="50000"/>
+                  </a:schemeClr>
+                </a:solidFill>
+              </a:rPr>
               <a:t>]*[-|+]*[0-9]*)[,][ ]*</a:t>
             </a:r>
           </a:p>
           <a:p>
             <a:r>
-              <a:rPr lang="de-DE" dirty="0"/>
+              <a:rPr lang="de-DE" dirty="0">
+                <a:solidFill>
+                  <a:schemeClr val="tx2">
+                    <a:lumMod val="50000"/>
+                  </a:schemeClr>
+                </a:solidFill>
+              </a:rPr>
               <a:t>(?&lt;EMO_WEIGHT_ARRAY5&gt;[0-9]*[.]*[0-9]*[</a:t>
             </a:r>
             <a:r>
-              <a:rPr lang="de-DE" dirty="0" err="1"/>
+              <a:rPr lang="de-DE" dirty="0" err="1">
+                <a:solidFill>
+                  <a:schemeClr val="tx2">
+                    <a:lumMod val="50000"/>
+                  </a:schemeClr>
+                </a:solidFill>
+              </a:rPr>
               <a:t>e</a:t>
             </a:r>
             <a:r>
-              <a:rPr lang="de-DE" dirty="0"/>
+              <a:rPr lang="de-DE" dirty="0">
+                <a:solidFill>
+                  <a:schemeClr val="tx2">
+                    <a:lumMod val="50000"/>
+                  </a:schemeClr>
+                </a:solidFill>
+              </a:rPr>
               <a:t>]*[-|+]*[0-9]*)[,][ ]*</a:t>
             </a:r>
           </a:p>
           <a:p>
             <a:r>
-              <a:rPr lang="de-DE" dirty="0"/>
+              <a:rPr lang="de-DE" dirty="0">
+                <a:solidFill>
+                  <a:schemeClr val="tx2">
+                    <a:lumMod val="50000"/>
+                  </a:schemeClr>
+                </a:solidFill>
+              </a:rPr>
               <a:t>(?&lt;EMO_WEIGHT_ARRAY6&gt;[0-9]*[.]*[0-9]*[</a:t>
             </a:r>
             <a:r>
-              <a:rPr lang="de-DE" dirty="0" err="1"/>
+              <a:rPr lang="de-DE" dirty="0" err="1">
+                <a:solidFill>
+                  <a:schemeClr val="tx2">
+                    <a:lumMod val="50000"/>
+                  </a:schemeClr>
+                </a:solidFill>
+              </a:rPr>
               <a:t>e</a:t>
             </a:r>
             <a:r>
-              <a:rPr lang="de-DE" dirty="0"/>
+              <a:rPr lang="de-DE" dirty="0">
+                <a:solidFill>
+                  <a:schemeClr val="tx2">
+                    <a:lumMod val="50000"/>
+                  </a:schemeClr>
+                </a:solidFill>
+              </a:rPr>
               <a:t>]*[-|+]*[0-9]*)))</a:t>
             </a:r>
-          </a:p>
-        </p:txBody>
-      </p:sp>
-      <p:sp>
-        <p:nvSpPr>
-          <p:cNvPr id="15" name="Textfeld 14">
+            <a:endParaRPr lang="de-DE" dirty="0"/>
+          </a:p>
+        </p:txBody>
+      </p:sp>
+      <p:sp>
+        <p:nvSpPr>
+          <p:cNvPr id="18" name="Textfeld 17">
             <a:extLst>
               <a:ext uri="{FF2B5EF4-FFF2-40B4-BE49-F238E27FC236}">
-                <a16:creationId xmlns:a16="http://schemas.microsoft.com/office/drawing/2014/main" id="{46D2CB96-E1AE-9044-8985-9C388BBA6C66}"/>
+                <a16:creationId xmlns:a16="http://schemas.microsoft.com/office/drawing/2014/main" id="{F3AA1672-55A0-3841-8490-CB339F94EC14}"/>
               </a:ext>
             </a:extLst>
           </p:cNvPr>
@@ -7421,45 +7323,105 @@
           </a:p>
           <a:p>
             <a:r>
-              <a:rPr lang="de-DE" dirty="0"/>
+              <a:rPr lang="de-DE" dirty="0">
+                <a:solidFill>
+                  <a:schemeClr val="tx2">
+                    <a:lumMod val="50000"/>
+                  </a:schemeClr>
+                </a:solidFill>
+              </a:rPr>
               <a:t>(</a:t>
             </a:r>
             <a:r>
-              <a:rPr lang="de-DE" dirty="0" err="1"/>
+              <a:rPr lang="de-DE" dirty="0" err="1">
+                <a:solidFill>
+                  <a:schemeClr val="tx2">
+                    <a:lumMod val="50000"/>
+                  </a:schemeClr>
+                </a:solidFill>
+              </a:rPr>
               <a:t>array</a:t>
             </a:r>
             <a:r>
-              <a:rPr lang="de-DE" dirty="0"/>
+              <a:rPr lang="de-DE" dirty="0">
+                <a:solidFill>
+                  <a:schemeClr val="tx2">
+                    <a:lumMod val="50000"/>
+                  </a:schemeClr>
+                </a:solidFill>
+              </a:rPr>
               <a:t>([3,⎵6,⎵4,⎵0,⎵5,⎵1,⎵2],⎵</a:t>
             </a:r>
             <a:r>
-              <a:rPr lang="de-DE" dirty="0" err="1"/>
+              <a:rPr lang="de-DE" dirty="0" err="1">
+                <a:solidFill>
+                  <a:schemeClr val="tx2">
+                    <a:lumMod val="50000"/>
+                  </a:schemeClr>
+                </a:solidFill>
+              </a:rPr>
               <a:t>dtype</a:t>
             </a:r>
             <a:r>
-              <a:rPr lang="de-DE" dirty="0"/>
+              <a:rPr lang="de-DE" dirty="0">
+                <a:solidFill>
+                  <a:schemeClr val="tx2">
+                    <a:lumMod val="50000"/>
+                  </a:schemeClr>
+                </a:solidFill>
+              </a:rPr>
               <a:t>=int64),⎵</a:t>
             </a:r>
             <a:r>
-              <a:rPr lang="de-DE" dirty="0" err="1"/>
+              <a:rPr lang="de-DE" dirty="0" err="1">
+                <a:solidFill>
+                  <a:schemeClr val="tx2">
+                    <a:lumMod val="50000"/>
+                  </a:schemeClr>
+                </a:solidFill>
+              </a:rPr>
               <a:t>array</a:t>
             </a:r>
             <a:r>
-              <a:rPr lang="de-DE" dirty="0"/>
+              <a:rPr lang="de-DE" dirty="0">
+                <a:solidFill>
+                  <a:schemeClr val="tx2">
+                    <a:lumMod val="50000"/>
+                  </a:schemeClr>
+                </a:solidFill>
+              </a:rPr>
               <a:t>([5.4954283e-04,⎵3.3311819e-04,⎵1.8420095e-04,⎵9.7565746e-01,</a:t>
             </a:r>
           </a:p>
           <a:p>
             <a:r>
-              <a:rPr lang="de-DE" dirty="0"/>
+              <a:rPr lang="de-DE" dirty="0">
+                <a:solidFill>
+                  <a:schemeClr val="tx2">
+                    <a:lumMod val="50000"/>
+                  </a:schemeClr>
+                </a:solidFill>
+              </a:rPr>
               <a:t>⎵⎵⎵⎵⎵⎵⎵9.4697025e-04,⎵5.0289807e-04,⎵2.1825831e-02],⎵</a:t>
             </a:r>
             <a:r>
-              <a:rPr lang="de-DE" dirty="0" err="1"/>
+              <a:rPr lang="de-DE" dirty="0" err="1">
+                <a:solidFill>
+                  <a:schemeClr val="tx2">
+                    <a:lumMod val="50000"/>
+                  </a:schemeClr>
+                </a:solidFill>
+              </a:rPr>
               <a:t>dtype</a:t>
             </a:r>
             <a:r>
-              <a:rPr lang="de-DE" dirty="0"/>
+              <a:rPr lang="de-DE" dirty="0">
+                <a:solidFill>
+                  <a:schemeClr val="tx2">
+                    <a:lumMod val="50000"/>
+                  </a:schemeClr>
+                </a:solidFill>
+              </a:rPr>
               <a:t>=float32))</a:t>
             </a:r>
           </a:p>
@@ -7468,7 +7430,7 @@
     </p:spTree>
     <p:extLst>
       <p:ext uri="{BB962C8B-B14F-4D97-AF65-F5344CB8AC3E}">
-        <p14:creationId xmlns:p14="http://schemas.microsoft.com/office/powerpoint/2010/main" val="3024959299"/>
+        <p14:creationId xmlns:p14="http://schemas.microsoft.com/office/powerpoint/2010/main" val="2973608709"/>
       </p:ext>
     </p:extLst>
   </p:cSld>
@@ -7603,19 +7565,21 @@
             <p:ph type="body" sz="quarter" idx="13"/>
           </p:nvPr>
         </p:nvSpPr>
-        <p:spPr/>
-        <p:txBody>
-          <a:bodyPr/>
-          <a:lstStyle/>
-          <a:p>
-            <a:r>
-              <a:rPr lang="de-DE"/>
-              <a:t>Reguläre Ausdrücke – SINGLE</a:t>
-            </a:r>
-            <a:r>
-              <a:rPr lang="de-DE" dirty="0"/>
-              <a:t>_PIC_OUTPUT</a:t>
-            </a:r>
+        <p:spPr>
+          <a:xfrm>
+            <a:off x="281258" y="597785"/>
+            <a:ext cx="8568000" cy="489337"/>
+          </a:xfrm>
+        </p:spPr>
+        <p:txBody>
+          <a:bodyPr/>
+          <a:lstStyle/>
+          <a:p>
+            <a:r>
+              <a:rPr lang="de-DE"/>
+              <a:t>Reguläre Ausdrücke – Arrays</a:t>
+            </a:r>
+            <a:endParaRPr lang="de-DE" dirty="0"/>
           </a:p>
         </p:txBody>
       </p:sp>
@@ -7643,6 +7607,149 @@
             <a:r>
               <a:rPr lang="de-DE" dirty="0"/>
               <a:t>NN</a:t>
+            </a:r>
+          </a:p>
+        </p:txBody>
+      </p:sp>
+      <p:sp>
+        <p:nvSpPr>
+          <p:cNvPr id="11" name="Textfeld 10">
+            <a:extLst>
+              <a:ext uri="{FF2B5EF4-FFF2-40B4-BE49-F238E27FC236}">
+                <a16:creationId xmlns:a16="http://schemas.microsoft.com/office/drawing/2014/main" id="{41D80CE3-5D58-2442-BCC6-6EF6CC9954E2}"/>
+              </a:ext>
+            </a:extLst>
+          </p:cNvPr>
+          <p:cNvSpPr txBox="1"/>
+          <p:nvPr/>
+        </p:nvSpPr>
+        <p:spPr>
+          <a:xfrm>
+            <a:off x="146750" y="984093"/>
+            <a:ext cx="8749420" cy="954107"/>
+          </a:xfrm>
+          <a:prstGeom prst="rect">
+            <a:avLst/>
+          </a:prstGeom>
+          <a:noFill/>
+        </p:spPr>
+        <p:txBody>
+          <a:bodyPr wrap="square" rtlCol="0">
+            <a:spAutoFit/>
+          </a:bodyPr>
+          <a:lstStyle/>
+          <a:p>
+            <a:r>
+              <a:rPr lang="de-DE" dirty="0" err="1"/>
+              <a:t>Faces</a:t>
+            </a:r>
+            <a:r>
+              <a:rPr lang="de-DE" dirty="0"/>
+              <a:t> </a:t>
+            </a:r>
+            <a:r>
+              <a:rPr lang="de-DE" dirty="0" err="1"/>
+              <a:t>found</a:t>
+            </a:r>
+            <a:r>
+              <a:rPr lang="de-DE" dirty="0"/>
+              <a:t>:  1</a:t>
+            </a:r>
+          </a:p>
+          <a:p>
+            <a:r>
+              <a:rPr lang="de-DE" dirty="0">
+                <a:solidFill>
+                  <a:schemeClr val="accent6">
+                    <a:lumMod val="75000"/>
+                  </a:schemeClr>
+                </a:solidFill>
+              </a:rPr>
+              <a:t>(</a:t>
+            </a:r>
+            <a:r>
+              <a:rPr lang="de-DE" dirty="0" err="1">
+                <a:solidFill>
+                  <a:schemeClr val="accent6">
+                    <a:lumMod val="75000"/>
+                  </a:schemeClr>
+                </a:solidFill>
+              </a:rPr>
+              <a:t>array</a:t>
+            </a:r>
+            <a:r>
+              <a:rPr lang="de-DE" dirty="0">
+                <a:solidFill>
+                  <a:schemeClr val="accent6">
+                    <a:lumMod val="75000"/>
+                  </a:schemeClr>
+                </a:solidFill>
+              </a:rPr>
+              <a:t>([3,⎵6,⎵4,⎵0,⎵5,⎵1,⎵2],⎵</a:t>
+            </a:r>
+            <a:r>
+              <a:rPr lang="de-DE" dirty="0" err="1">
+                <a:solidFill>
+                  <a:schemeClr val="accent6">
+                    <a:lumMod val="75000"/>
+                  </a:schemeClr>
+                </a:solidFill>
+              </a:rPr>
+              <a:t>dtype</a:t>
+            </a:r>
+            <a:r>
+              <a:rPr lang="de-DE" dirty="0">
+                <a:solidFill>
+                  <a:schemeClr val="accent6">
+                    <a:lumMod val="75000"/>
+                  </a:schemeClr>
+                </a:solidFill>
+              </a:rPr>
+              <a:t>=int64),⎵</a:t>
+            </a:r>
+            <a:r>
+              <a:rPr lang="de-DE" dirty="0" err="1">
+                <a:solidFill>
+                  <a:schemeClr val="accent2">
+                    <a:lumMod val="75000"/>
+                  </a:schemeClr>
+                </a:solidFill>
+              </a:rPr>
+              <a:t>array</a:t>
+            </a:r>
+            <a:r>
+              <a:rPr lang="de-DE" dirty="0">
+                <a:solidFill>
+                  <a:schemeClr val="accent2">
+                    <a:lumMod val="75000"/>
+                  </a:schemeClr>
+                </a:solidFill>
+              </a:rPr>
+              <a:t>([5.4954283e-04,⎵3.3311819e-04,⎵1.8420095e-04,⎵9.7565746e-01,</a:t>
+            </a:r>
+          </a:p>
+          <a:p>
+            <a:r>
+              <a:rPr lang="de-DE" dirty="0">
+                <a:solidFill>
+                  <a:schemeClr val="accent2">
+                    <a:lumMod val="75000"/>
+                  </a:schemeClr>
+                </a:solidFill>
+              </a:rPr>
+              <a:t>⎵⎵⎵⎵⎵⎵⎵9.4697025e-04,⎵5.0289807e-04,⎵2.1825831e-02</a:t>
+            </a:r>
+            <a:r>
+              <a:rPr lang="de-DE" dirty="0"/>
+              <a:t>],⎵</a:t>
+            </a:r>
+            <a:r>
+              <a:rPr lang="de-DE" dirty="0" err="1"/>
+              <a:t>dtype</a:t>
+            </a:r>
+            <a:r>
+              <a:rPr lang="de-DE" dirty="0"/>
+              <a:t>=float32))</a:t>
             </a:r>
           </a:p>
         </p:txBody>
@@ -7681,10 +7788,10 @@
       </p:sp>
       <p:sp>
         <p:nvSpPr>
-          <p:cNvPr id="16" name="Rechteck 15">
+          <p:cNvPr id="10" name="Rechteck 9">
             <a:extLst>
               <a:ext uri="{FF2B5EF4-FFF2-40B4-BE49-F238E27FC236}">
-                <a16:creationId xmlns:a16="http://schemas.microsoft.com/office/drawing/2014/main" id="{0A05A358-D871-5843-BA6C-3BC368267882}"/>
+                <a16:creationId xmlns:a16="http://schemas.microsoft.com/office/drawing/2014/main" id="{1E642548-5D9B-904E-9ABD-FAB57010B7C0}"/>
               </a:ext>
             </a:extLst>
           </p:cNvPr>
@@ -7707,20 +7814,24 @@
           <a:lstStyle/>
           <a:p>
             <a:r>
+              <a:rPr lang="de-DE" dirty="0"/>
+              <a:t>(?&lt;SINGLE_PIC_OUTPUT&gt;</a:t>
+            </a:r>
+            <a:r>
               <a:rPr lang="de-DE" dirty="0">
                 <a:solidFill>
-                  <a:schemeClr val="tx2">
-                    <a:lumMod val="50000"/>
-                  </a:schemeClr>
-                </a:solidFill>
-              </a:rPr>
-              <a:t>(?&lt;SINGLE_PIC_OUTPUT&gt;\(</a:t>
+                  <a:schemeClr val="accent6">
+                    <a:lumMod val="75000"/>
+                  </a:schemeClr>
+                </a:solidFill>
+              </a:rPr>
+              <a:t>\(</a:t>
             </a:r>
             <a:r>
               <a:rPr lang="de-DE" dirty="0" err="1">
                 <a:solidFill>
-                  <a:schemeClr val="tx2">
-                    <a:lumMod val="50000"/>
+                  <a:schemeClr val="accent6">
+                    <a:lumMod val="75000"/>
                   </a:schemeClr>
                 </a:solidFill>
               </a:rPr>
@@ -7729,8 +7840,8 @@
             <a:r>
               <a:rPr lang="de-DE" dirty="0">
                 <a:solidFill>
-                  <a:schemeClr val="tx2">
-                    <a:lumMod val="50000"/>
+                  <a:schemeClr val="accent6">
+                    <a:lumMod val="75000"/>
                   </a:schemeClr>
                 </a:solidFill>
               </a:rPr>
@@ -7741,8 +7852,8 @@
             <a:r>
               <a:rPr lang="de-DE" dirty="0">
                 <a:solidFill>
-                  <a:schemeClr val="tx2">
-                    <a:lumMod val="50000"/>
+                  <a:schemeClr val="accent6">
+                    <a:lumMod val="75000"/>
                   </a:schemeClr>
                 </a:solidFill>
               </a:rPr>
@@ -7753,8 +7864,8 @@
             <a:r>
               <a:rPr lang="de-DE" dirty="0">
                 <a:solidFill>
-                  <a:schemeClr val="tx2">
-                    <a:lumMod val="50000"/>
+                  <a:schemeClr val="accent6">
+                    <a:lumMod val="75000"/>
                   </a:schemeClr>
                 </a:solidFill>
               </a:rPr>
@@ -7763,8 +7874,8 @@
             <a:r>
               <a:rPr lang="de-DE" dirty="0" err="1">
                 <a:solidFill>
-                  <a:schemeClr val="tx2">
-                    <a:lumMod val="50000"/>
+                  <a:schemeClr val="accent6">
+                    <a:lumMod val="75000"/>
                   </a:schemeClr>
                 </a:solidFill>
               </a:rPr>
@@ -7773,8 +7884,8 @@
             <a:r>
               <a:rPr lang="de-DE" dirty="0">
                 <a:solidFill>
-                  <a:schemeClr val="tx2">
-                    <a:lumMod val="50000"/>
+                  <a:schemeClr val="accent6">
+                    <a:lumMod val="75000"/>
                   </a:schemeClr>
                 </a:solidFill>
               </a:rPr>
@@ -7783,8 +7894,8 @@
             <a:r>
               <a:rPr lang="de-DE" dirty="0" err="1">
                 <a:solidFill>
-                  <a:schemeClr val="tx2">
-                    <a:lumMod val="50000"/>
+                  <a:schemeClr val="accent6">
+                    <a:lumMod val="75000"/>
                   </a:schemeClr>
                 </a:solidFill>
               </a:rPr>
@@ -7793,8 +7904,8 @@
             <a:r>
               <a:rPr lang="de-DE" dirty="0">
                 <a:solidFill>
-                  <a:schemeClr val="tx2">
-                    <a:lumMod val="50000"/>
+                  <a:schemeClr val="accent6">
+                    <a:lumMod val="75000"/>
                   </a:schemeClr>
                 </a:solidFill>
               </a:rPr>
@@ -7805,8 +7916,8 @@
             <a:r>
               <a:rPr lang="de-DE" dirty="0">
                 <a:solidFill>
-                  <a:schemeClr val="tx2">
-                    <a:lumMod val="50000"/>
+                  <a:schemeClr val="accent2">
+                    <a:lumMod val="75000"/>
                   </a:schemeClr>
                 </a:solidFill>
               </a:rPr>
@@ -7815,8 +7926,8 @@
             <a:r>
               <a:rPr lang="de-DE" dirty="0" err="1">
                 <a:solidFill>
-                  <a:schemeClr val="tx2">
-                    <a:lumMod val="50000"/>
+                  <a:schemeClr val="accent2">
+                    <a:lumMod val="75000"/>
                   </a:schemeClr>
                 </a:solidFill>
               </a:rPr>
@@ -7825,8 +7936,8 @@
             <a:r>
               <a:rPr lang="de-DE" dirty="0">
                 <a:solidFill>
-                  <a:schemeClr val="tx2">
-                    <a:lumMod val="50000"/>
+                  <a:schemeClr val="accent2">
+                    <a:lumMod val="75000"/>
                   </a:schemeClr>
                 </a:solidFill>
               </a:rPr>
@@ -7837,18 +7948,18 @@
             <a:r>
               <a:rPr lang="de-DE" dirty="0">
                 <a:solidFill>
-                  <a:schemeClr val="tx2">
-                    <a:lumMod val="50000"/>
-                  </a:schemeClr>
-                </a:solidFill>
-              </a:rPr>
-              <a:t>(?&lt;EMO_WEIGHT_ARRAY0&gt;[0-9]*[.]*[0-9]*[</a:t>
+                  <a:schemeClr val="accent2">
+                    <a:lumMod val="75000"/>
+                  </a:schemeClr>
+                </a:solidFill>
+              </a:rPr>
+              <a:t>(?&lt;EMO_WEIGHT_ARRAY 0&gt;[0-9]*[.]*[0-9]*[</a:t>
             </a:r>
             <a:r>
               <a:rPr lang="de-DE" dirty="0" err="1">
                 <a:solidFill>
-                  <a:schemeClr val="tx2">
-                    <a:lumMod val="50000"/>
+                  <a:schemeClr val="accent2">
+                    <a:lumMod val="75000"/>
                   </a:schemeClr>
                 </a:solidFill>
               </a:rPr>
@@ -7857,8 +7968,8 @@
             <a:r>
               <a:rPr lang="de-DE" dirty="0">
                 <a:solidFill>
-                  <a:schemeClr val="tx2">
-                    <a:lumMod val="50000"/>
+                  <a:schemeClr val="accent2">
+                    <a:lumMod val="75000"/>
                   </a:schemeClr>
                 </a:solidFill>
               </a:rPr>
@@ -7869,8 +7980,8 @@
             <a:r>
               <a:rPr lang="de-DE" dirty="0">
                 <a:solidFill>
-                  <a:schemeClr val="tx2">
-                    <a:lumMod val="50000"/>
+                  <a:schemeClr val="accent2">
+                    <a:lumMod val="75000"/>
                   </a:schemeClr>
                 </a:solidFill>
               </a:rPr>
@@ -7879,8 +7990,8 @@
             <a:r>
               <a:rPr lang="de-DE" dirty="0" err="1">
                 <a:solidFill>
-                  <a:schemeClr val="tx2">
-                    <a:lumMod val="50000"/>
+                  <a:schemeClr val="accent2">
+                    <a:lumMod val="75000"/>
                   </a:schemeClr>
                 </a:solidFill>
               </a:rPr>
@@ -7889,8 +8000,8 @@
             <a:r>
               <a:rPr lang="de-DE" dirty="0">
                 <a:solidFill>
-                  <a:schemeClr val="tx2">
-                    <a:lumMod val="50000"/>
+                  <a:schemeClr val="accent2">
+                    <a:lumMod val="75000"/>
                   </a:schemeClr>
                 </a:solidFill>
               </a:rPr>
@@ -7901,8 +8012,8 @@
             <a:r>
               <a:rPr lang="de-DE" dirty="0">
                 <a:solidFill>
-                  <a:schemeClr val="tx2">
-                    <a:lumMod val="50000"/>
+                  <a:schemeClr val="accent2">
+                    <a:lumMod val="75000"/>
                   </a:schemeClr>
                 </a:solidFill>
               </a:rPr>
@@ -7911,8 +8022,8 @@
             <a:r>
               <a:rPr lang="de-DE" dirty="0" err="1">
                 <a:solidFill>
-                  <a:schemeClr val="tx2">
-                    <a:lumMod val="50000"/>
+                  <a:schemeClr val="accent2">
+                    <a:lumMod val="75000"/>
                   </a:schemeClr>
                 </a:solidFill>
               </a:rPr>
@@ -7921,8 +8032,8 @@
             <a:r>
               <a:rPr lang="de-DE" dirty="0">
                 <a:solidFill>
-                  <a:schemeClr val="tx2">
-                    <a:lumMod val="50000"/>
+                  <a:schemeClr val="accent2">
+                    <a:lumMod val="75000"/>
                   </a:schemeClr>
                 </a:solidFill>
               </a:rPr>
@@ -7933,8 +8044,8 @@
             <a:r>
               <a:rPr lang="de-DE" dirty="0">
                 <a:solidFill>
-                  <a:schemeClr val="tx2">
-                    <a:lumMod val="50000"/>
+                  <a:schemeClr val="accent2">
+                    <a:lumMod val="75000"/>
                   </a:schemeClr>
                 </a:solidFill>
               </a:rPr>
@@ -7943,8 +8054,8 @@
             <a:r>
               <a:rPr lang="de-DE" dirty="0" err="1">
                 <a:solidFill>
-                  <a:schemeClr val="tx2">
-                    <a:lumMod val="50000"/>
+                  <a:schemeClr val="accent2">
+                    <a:lumMod val="75000"/>
                   </a:schemeClr>
                 </a:solidFill>
               </a:rPr>
@@ -7953,8 +8064,8 @@
             <a:r>
               <a:rPr lang="de-DE" dirty="0">
                 <a:solidFill>
-                  <a:schemeClr val="tx2">
-                    <a:lumMod val="50000"/>
+                  <a:schemeClr val="accent2">
+                    <a:lumMod val="75000"/>
                   </a:schemeClr>
                 </a:solidFill>
               </a:rPr>
@@ -7965,8 +8076,8 @@
             <a:r>
               <a:rPr lang="de-DE" dirty="0">
                 <a:solidFill>
-                  <a:schemeClr val="tx2">
-                    <a:lumMod val="50000"/>
+                  <a:schemeClr val="accent2">
+                    <a:lumMod val="75000"/>
                   </a:schemeClr>
                 </a:solidFill>
               </a:rPr>
@@ -7975,8 +8086,8 @@
             <a:r>
               <a:rPr lang="de-DE" dirty="0" err="1">
                 <a:solidFill>
-                  <a:schemeClr val="tx2">
-                    <a:lumMod val="50000"/>
+                  <a:schemeClr val="accent2">
+                    <a:lumMod val="75000"/>
                   </a:schemeClr>
                 </a:solidFill>
               </a:rPr>
@@ -7985,8 +8096,8 @@
             <a:r>
               <a:rPr lang="de-DE" dirty="0">
                 <a:solidFill>
-                  <a:schemeClr val="tx2">
-                    <a:lumMod val="50000"/>
+                  <a:schemeClr val="accent2">
+                    <a:lumMod val="75000"/>
                   </a:schemeClr>
                 </a:solidFill>
               </a:rPr>
@@ -7997,8 +8108,8 @@
             <a:r>
               <a:rPr lang="de-DE" dirty="0">
                 <a:solidFill>
-                  <a:schemeClr val="tx2">
-                    <a:lumMod val="50000"/>
+                  <a:schemeClr val="accent2">
+                    <a:lumMod val="75000"/>
                   </a:schemeClr>
                 </a:solidFill>
               </a:rPr>
@@ -8007,8 +8118,8 @@
             <a:r>
               <a:rPr lang="de-DE" dirty="0" err="1">
                 <a:solidFill>
-                  <a:schemeClr val="tx2">
-                    <a:lumMod val="50000"/>
+                  <a:schemeClr val="accent2">
+                    <a:lumMod val="75000"/>
                   </a:schemeClr>
                 </a:solidFill>
               </a:rPr>
@@ -8017,8 +8128,8 @@
             <a:r>
               <a:rPr lang="de-DE" dirty="0">
                 <a:solidFill>
-                  <a:schemeClr val="tx2">
-                    <a:lumMod val="50000"/>
+                  <a:schemeClr val="accent2">
+                    <a:lumMod val="75000"/>
                   </a:schemeClr>
                 </a:solidFill>
               </a:rPr>
@@ -8029,8 +8140,8 @@
             <a:r>
               <a:rPr lang="de-DE" dirty="0">
                 <a:solidFill>
-                  <a:schemeClr val="tx2">
-                    <a:lumMod val="50000"/>
+                  <a:schemeClr val="accent2">
+                    <a:lumMod val="75000"/>
                   </a:schemeClr>
                 </a:solidFill>
               </a:rPr>
@@ -8039,8 +8150,8 @@
             <a:r>
               <a:rPr lang="de-DE" dirty="0" err="1">
                 <a:solidFill>
-                  <a:schemeClr val="tx2">
-                    <a:lumMod val="50000"/>
+                  <a:schemeClr val="accent2">
+                    <a:lumMod val="75000"/>
                   </a:schemeClr>
                 </a:solidFill>
               </a:rPr>
@@ -8049,23 +8160,22 @@
             <a:r>
               <a:rPr lang="de-DE" dirty="0">
                 <a:solidFill>
-                  <a:schemeClr val="tx2">
-                    <a:lumMod val="50000"/>
+                  <a:schemeClr val="accent2">
+                    <a:lumMod val="75000"/>
                   </a:schemeClr>
                 </a:solidFill>
               </a:rPr>
               <a:t>]*[-|+]*[0-9]*)))</a:t>
             </a:r>
-            <a:endParaRPr lang="de-DE" dirty="0"/>
-          </a:p>
-        </p:txBody>
-      </p:sp>
-      <p:sp>
-        <p:nvSpPr>
-          <p:cNvPr id="18" name="Textfeld 17">
+          </a:p>
+        </p:txBody>
+      </p:sp>
+      <p:sp>
+        <p:nvSpPr>
+          <p:cNvPr id="5" name="Textfeld 4">
             <a:extLst>
               <a:ext uri="{FF2B5EF4-FFF2-40B4-BE49-F238E27FC236}">
-                <a16:creationId xmlns:a16="http://schemas.microsoft.com/office/drawing/2014/main" id="{F3AA1672-55A0-3841-8490-CB339F94EC14}"/>
+                <a16:creationId xmlns:a16="http://schemas.microsoft.com/office/drawing/2014/main" id="{8EE22503-52FF-374C-BBBD-3AAFB0E9D001}"/>
               </a:ext>
             </a:extLst>
           </p:cNvPr>
@@ -8074,8 +8184,8 @@
         </p:nvSpPr>
         <p:spPr>
           <a:xfrm>
-            <a:off x="146750" y="984093"/>
-            <a:ext cx="8749420" cy="954107"/>
+            <a:off x="4355976" y="2062898"/>
+            <a:ext cx="4743606" cy="523220"/>
           </a:xfrm>
           <a:prstGeom prst="rect">
             <a:avLst/>
@@ -8083,130 +8193,55 @@
           <a:noFill/>
         </p:spPr>
         <p:txBody>
-          <a:bodyPr wrap="square" rtlCol="0">
+          <a:bodyPr wrap="none" rtlCol="0">
             <a:spAutoFit/>
           </a:bodyPr>
           <a:lstStyle/>
           <a:p>
             <a:r>
-              <a:rPr lang="de-DE" dirty="0" err="1"/>
-              <a:t>Faces</a:t>
-            </a:r>
-            <a:r>
-              <a:rPr lang="de-DE" dirty="0"/>
-              <a:t> </a:t>
-            </a:r>
-            <a:r>
-              <a:rPr lang="de-DE" dirty="0" err="1"/>
-              <a:t>found</a:t>
-            </a:r>
-            <a:r>
-              <a:rPr lang="de-DE" dirty="0"/>
-              <a:t>:  1</a:t>
-            </a:r>
-          </a:p>
-          <a:p>
-            <a:r>
-              <a:rPr lang="de-DE" dirty="0">
-                <a:solidFill>
-                  <a:schemeClr val="tx2">
-                    <a:lumMod val="50000"/>
-                  </a:schemeClr>
-                </a:solidFill>
-              </a:rPr>
-              <a:t>(</a:t>
-            </a:r>
-            <a:r>
-              <a:rPr lang="de-DE" dirty="0" err="1">
-                <a:solidFill>
-                  <a:schemeClr val="tx2">
-                    <a:lumMod val="50000"/>
-                  </a:schemeClr>
-                </a:solidFill>
-              </a:rPr>
-              <a:t>array</a:t>
-            </a:r>
-            <a:r>
-              <a:rPr lang="de-DE" dirty="0">
-                <a:solidFill>
-                  <a:schemeClr val="tx2">
-                    <a:lumMod val="50000"/>
-                  </a:schemeClr>
-                </a:solidFill>
-              </a:rPr>
-              <a:t>([3,⎵6,⎵4,⎵0,⎵5,⎵1,⎵2],⎵</a:t>
-            </a:r>
-            <a:r>
-              <a:rPr lang="de-DE" dirty="0" err="1">
-                <a:solidFill>
-                  <a:schemeClr val="tx2">
-                    <a:lumMod val="50000"/>
-                  </a:schemeClr>
-                </a:solidFill>
-              </a:rPr>
-              <a:t>dtype</a:t>
-            </a:r>
-            <a:r>
-              <a:rPr lang="de-DE" dirty="0">
-                <a:solidFill>
-                  <a:schemeClr val="tx2">
-                    <a:lumMod val="50000"/>
-                  </a:schemeClr>
-                </a:solidFill>
-              </a:rPr>
-              <a:t>=int64),⎵</a:t>
-            </a:r>
-            <a:r>
-              <a:rPr lang="de-DE" dirty="0" err="1">
-                <a:solidFill>
-                  <a:schemeClr val="tx2">
-                    <a:lumMod val="50000"/>
-                  </a:schemeClr>
-                </a:solidFill>
-              </a:rPr>
-              <a:t>array</a:t>
-            </a:r>
-            <a:r>
-              <a:rPr lang="de-DE" dirty="0">
-                <a:solidFill>
-                  <a:schemeClr val="tx2">
-                    <a:lumMod val="50000"/>
-                  </a:schemeClr>
-                </a:solidFill>
-              </a:rPr>
-              <a:t>([5.4954283e-04,⎵3.3311819e-04,⎵1.8420095e-04,⎵9.7565746e-01,</a:t>
-            </a:r>
-          </a:p>
-          <a:p>
-            <a:r>
-              <a:rPr lang="de-DE" dirty="0">
-                <a:solidFill>
-                  <a:schemeClr val="tx2">
-                    <a:lumMod val="50000"/>
-                  </a:schemeClr>
-                </a:solidFill>
-              </a:rPr>
-              <a:t>⎵⎵⎵⎵⎵⎵⎵9.4697025e-04,⎵5.0289807e-04,⎵2.1825831e-02],⎵</a:t>
-            </a:r>
-            <a:r>
-              <a:rPr lang="de-DE" dirty="0" err="1">
-                <a:solidFill>
-                  <a:schemeClr val="tx2">
-                    <a:lumMod val="50000"/>
-                  </a:schemeClr>
-                </a:solidFill>
-              </a:rPr>
-              <a:t>dtype</a:t>
-            </a:r>
-            <a:r>
-              <a:rPr lang="de-DE" dirty="0">
-                <a:solidFill>
-                  <a:schemeClr val="tx2">
-                    <a:lumMod val="50000"/>
-                  </a:schemeClr>
-                </a:solidFill>
-              </a:rPr>
-              <a:t>=float32))</a:t>
+              <a:rPr lang="de-DE" dirty="0"/>
+              <a:t>Index des Gewichts der zugewiesenen Emotion &amp;</a:t>
+            </a:r>
+          </a:p>
+          <a:p>
+            <a:r>
+              <a:rPr lang="de-DE" dirty="0"/>
+              <a:t>Index des Namens der zugewiesenen Emotion an [0]</a:t>
+            </a:r>
+          </a:p>
+        </p:txBody>
+      </p:sp>
+      <p:sp>
+        <p:nvSpPr>
+          <p:cNvPr id="8" name="Textfeld 7">
+            <a:extLst>
+              <a:ext uri="{FF2B5EF4-FFF2-40B4-BE49-F238E27FC236}">
+                <a16:creationId xmlns:a16="http://schemas.microsoft.com/office/drawing/2014/main" id="{A44180C0-DCE5-234D-9C80-DAD421C88080}"/>
+              </a:ext>
+            </a:extLst>
+          </p:cNvPr>
+          <p:cNvSpPr txBox="1"/>
+          <p:nvPr/>
+        </p:nvSpPr>
+        <p:spPr>
+          <a:xfrm>
+            <a:off x="5689817" y="3291830"/>
+            <a:ext cx="3275256" cy="307777"/>
+          </a:xfrm>
+          <a:prstGeom prst="rect">
+            <a:avLst/>
+          </a:prstGeom>
+          <a:noFill/>
+        </p:spPr>
+        <p:txBody>
+          <a:bodyPr wrap="none" rtlCol="0">
+            <a:spAutoFit/>
+          </a:bodyPr>
+          <a:lstStyle/>
+          <a:p>
+            <a:r>
+              <a:rPr lang="de-DE" dirty="0"/>
+              <a:t>Gewicht der zugewiesenen Emotion</a:t>
             </a:r>
           </a:p>
         </p:txBody>
@@ -8214,7 +8249,7 @@
     </p:spTree>
     <p:extLst>
       <p:ext uri="{BB962C8B-B14F-4D97-AF65-F5344CB8AC3E}">
-        <p14:creationId xmlns:p14="http://schemas.microsoft.com/office/powerpoint/2010/main" val="2973608709"/>
+        <p14:creationId xmlns:p14="http://schemas.microsoft.com/office/powerpoint/2010/main" val="3850999605"/>
       </p:ext>
     </p:extLst>
   </p:cSld>
@@ -8243,13 +8278,7 @@
       </p:grpSpPr>
       <p:sp>
         <p:nvSpPr>
-          <p:cNvPr id="2" name="Datumsplatzhalter 1">
-            <a:extLst>
-              <a:ext uri="{FF2B5EF4-FFF2-40B4-BE49-F238E27FC236}">
-                <a16:creationId xmlns:a16="http://schemas.microsoft.com/office/drawing/2014/main" id="{675C47AD-DBB6-AF45-B827-279F8453D85A}"/>
-              </a:ext>
-            </a:extLst>
-          </p:cNvPr>
+          <p:cNvPr id="2" name="Datumsplatzhalter 1"/>
           <p:cNvSpPr>
             <a:spLocks noGrp="1"/>
           </p:cNvSpPr>
@@ -8272,13 +8301,7 @@
       </p:sp>
       <p:sp>
         <p:nvSpPr>
-          <p:cNvPr id="3" name="Fußzeilenplatzhalter 2">
-            <a:extLst>
-              <a:ext uri="{FF2B5EF4-FFF2-40B4-BE49-F238E27FC236}">
-                <a16:creationId xmlns:a16="http://schemas.microsoft.com/office/drawing/2014/main" id="{228F4FFB-361C-264C-9F96-0F5FA302539A}"/>
-              </a:ext>
-            </a:extLst>
-          </p:cNvPr>
+          <p:cNvPr id="3" name="Fußzeilenplatzhalter 2"/>
           <p:cNvSpPr>
             <a:spLocks noGrp="1"/>
           </p:cNvSpPr>
@@ -8301,13 +8324,7 @@
       </p:sp>
       <p:sp>
         <p:nvSpPr>
-          <p:cNvPr id="4" name="Foliennummernplatzhalter 3">
-            <a:extLst>
-              <a:ext uri="{FF2B5EF4-FFF2-40B4-BE49-F238E27FC236}">
-                <a16:creationId xmlns:a16="http://schemas.microsoft.com/office/drawing/2014/main" id="{B71E2494-62FF-E346-AF0F-44418411FB1B}"/>
-              </a:ext>
-            </a:extLst>
-          </p:cNvPr>
+          <p:cNvPr id="4" name="Foliennummernplatzhalter 3"/>
           <p:cNvSpPr>
             <a:spLocks noGrp="1"/>
           </p:cNvSpPr>
@@ -8328,2103 +8345,6 @@
               <a:rPr lang="de-DE" smtClean="0"/>
               <a:pPr/>
               <a:t>3</a:t>
-            </a:fld>
-            <a:endParaRPr lang="de-DE" dirty="0"/>
-          </a:p>
-        </p:txBody>
-      </p:sp>
-      <p:sp>
-        <p:nvSpPr>
-          <p:cNvPr id="6" name="Textplatzhalter 5">
-            <a:extLst>
-              <a:ext uri="{FF2B5EF4-FFF2-40B4-BE49-F238E27FC236}">
-                <a16:creationId xmlns:a16="http://schemas.microsoft.com/office/drawing/2014/main" id="{322AD5D4-1293-C347-9DBD-4CB94FD04DBA}"/>
-              </a:ext>
-            </a:extLst>
-          </p:cNvPr>
-          <p:cNvSpPr>
-            <a:spLocks noGrp="1"/>
-          </p:cNvSpPr>
-          <p:nvPr>
-            <p:ph type="body" sz="quarter" idx="13"/>
-          </p:nvPr>
-        </p:nvSpPr>
-        <p:spPr>
-          <a:xfrm>
-            <a:off x="281258" y="597785"/>
-            <a:ext cx="8568000" cy="489337"/>
-          </a:xfrm>
-        </p:spPr>
-        <p:txBody>
-          <a:bodyPr/>
-          <a:lstStyle/>
-          <a:p>
-            <a:r>
-              <a:rPr lang="de-DE"/>
-              <a:t>Reguläre Ausdrücke – Arrays</a:t>
-            </a:r>
-            <a:endParaRPr lang="de-DE" dirty="0"/>
-          </a:p>
-        </p:txBody>
-      </p:sp>
-      <p:sp>
-        <p:nvSpPr>
-          <p:cNvPr id="7" name="Titel 6">
-            <a:extLst>
-              <a:ext uri="{FF2B5EF4-FFF2-40B4-BE49-F238E27FC236}">
-                <a16:creationId xmlns:a16="http://schemas.microsoft.com/office/drawing/2014/main" id="{3444E9F3-2B09-3246-B248-DB36EB14F46D}"/>
-              </a:ext>
-            </a:extLst>
-          </p:cNvPr>
-          <p:cNvSpPr>
-            <a:spLocks noGrp="1"/>
-          </p:cNvSpPr>
-          <p:nvPr>
-            <p:ph type="title"/>
-          </p:nvPr>
-        </p:nvSpPr>
-        <p:spPr/>
-        <p:txBody>
-          <a:bodyPr/>
-          <a:lstStyle/>
-          <a:p>
-            <a:r>
-              <a:rPr lang="de-DE" dirty="0"/>
-              <a:t>NN</a:t>
-            </a:r>
-          </a:p>
-        </p:txBody>
-      </p:sp>
-      <p:sp>
-        <p:nvSpPr>
-          <p:cNvPr id="11" name="Textfeld 10">
-            <a:extLst>
-              <a:ext uri="{FF2B5EF4-FFF2-40B4-BE49-F238E27FC236}">
-                <a16:creationId xmlns:a16="http://schemas.microsoft.com/office/drawing/2014/main" id="{41D80CE3-5D58-2442-BCC6-6EF6CC9954E2}"/>
-              </a:ext>
-            </a:extLst>
-          </p:cNvPr>
-          <p:cNvSpPr txBox="1"/>
-          <p:nvPr/>
-        </p:nvSpPr>
-        <p:spPr>
-          <a:xfrm>
-            <a:off x="146750" y="984093"/>
-            <a:ext cx="8749420" cy="954107"/>
-          </a:xfrm>
-          <a:prstGeom prst="rect">
-            <a:avLst/>
-          </a:prstGeom>
-          <a:noFill/>
-        </p:spPr>
-        <p:txBody>
-          <a:bodyPr wrap="square" rtlCol="0">
-            <a:spAutoFit/>
-          </a:bodyPr>
-          <a:lstStyle/>
-          <a:p>
-            <a:r>
-              <a:rPr lang="de-DE" dirty="0" err="1"/>
-              <a:t>Faces</a:t>
-            </a:r>
-            <a:r>
-              <a:rPr lang="de-DE" dirty="0"/>
-              <a:t> </a:t>
-            </a:r>
-            <a:r>
-              <a:rPr lang="de-DE" dirty="0" err="1"/>
-              <a:t>found</a:t>
-            </a:r>
-            <a:r>
-              <a:rPr lang="de-DE" dirty="0"/>
-              <a:t>:  1</a:t>
-            </a:r>
-          </a:p>
-          <a:p>
-            <a:r>
-              <a:rPr lang="de-DE" dirty="0">
-                <a:solidFill>
-                  <a:schemeClr val="accent6">
-                    <a:lumMod val="75000"/>
-                  </a:schemeClr>
-                </a:solidFill>
-              </a:rPr>
-              <a:t>(</a:t>
-            </a:r>
-            <a:r>
-              <a:rPr lang="de-DE" dirty="0" err="1">
-                <a:solidFill>
-                  <a:schemeClr val="accent6">
-                    <a:lumMod val="75000"/>
-                  </a:schemeClr>
-                </a:solidFill>
-              </a:rPr>
-              <a:t>array</a:t>
-            </a:r>
-            <a:r>
-              <a:rPr lang="de-DE" dirty="0">
-                <a:solidFill>
-                  <a:schemeClr val="accent6">
-                    <a:lumMod val="75000"/>
-                  </a:schemeClr>
-                </a:solidFill>
-              </a:rPr>
-              <a:t>([3,⎵6,⎵4,⎵0,⎵5,⎵1,⎵2],⎵</a:t>
-            </a:r>
-            <a:r>
-              <a:rPr lang="de-DE" dirty="0" err="1">
-                <a:solidFill>
-                  <a:schemeClr val="accent6">
-                    <a:lumMod val="75000"/>
-                  </a:schemeClr>
-                </a:solidFill>
-              </a:rPr>
-              <a:t>dtype</a:t>
-            </a:r>
-            <a:r>
-              <a:rPr lang="de-DE" dirty="0">
-                <a:solidFill>
-                  <a:schemeClr val="accent6">
-                    <a:lumMod val="75000"/>
-                  </a:schemeClr>
-                </a:solidFill>
-              </a:rPr>
-              <a:t>=int64),⎵</a:t>
-            </a:r>
-            <a:r>
-              <a:rPr lang="de-DE" dirty="0" err="1">
-                <a:solidFill>
-                  <a:schemeClr val="accent2">
-                    <a:lumMod val="75000"/>
-                  </a:schemeClr>
-                </a:solidFill>
-              </a:rPr>
-              <a:t>array</a:t>
-            </a:r>
-            <a:r>
-              <a:rPr lang="de-DE" dirty="0">
-                <a:solidFill>
-                  <a:schemeClr val="accent2">
-                    <a:lumMod val="75000"/>
-                  </a:schemeClr>
-                </a:solidFill>
-              </a:rPr>
-              <a:t>([5.4954283e-04,⎵3.3311819e-04,⎵1.8420095e-04,⎵9.7565746e-01,</a:t>
-            </a:r>
-          </a:p>
-          <a:p>
-            <a:r>
-              <a:rPr lang="de-DE" dirty="0">
-                <a:solidFill>
-                  <a:schemeClr val="accent2">
-                    <a:lumMod val="75000"/>
-                  </a:schemeClr>
-                </a:solidFill>
-              </a:rPr>
-              <a:t>⎵⎵⎵⎵⎵⎵⎵9.4697025e-04,⎵5.0289807e-04,⎵2.1825831e-02</a:t>
-            </a:r>
-            <a:r>
-              <a:rPr lang="de-DE" dirty="0"/>
-              <a:t>],⎵</a:t>
-            </a:r>
-            <a:r>
-              <a:rPr lang="de-DE" dirty="0" err="1"/>
-              <a:t>dtype</a:t>
-            </a:r>
-            <a:r>
-              <a:rPr lang="de-DE" dirty="0"/>
-              <a:t>=float32))</a:t>
-            </a:r>
-          </a:p>
-        </p:txBody>
-      </p:sp>
-      <p:sp>
-        <p:nvSpPr>
-          <p:cNvPr id="12" name="Textfeld 11">
-            <a:extLst>
-              <a:ext uri="{FF2B5EF4-FFF2-40B4-BE49-F238E27FC236}">
-                <a16:creationId xmlns:a16="http://schemas.microsoft.com/office/drawing/2014/main" id="{BE96A17C-FAC2-4E48-A01F-A8C39DD6C9DE}"/>
-              </a:ext>
-            </a:extLst>
-          </p:cNvPr>
-          <p:cNvSpPr txBox="1"/>
-          <p:nvPr/>
-        </p:nvSpPr>
-        <p:spPr>
-          <a:xfrm>
-            <a:off x="1547664" y="2859782"/>
-            <a:ext cx="184731" cy="307777"/>
-          </a:xfrm>
-          <a:prstGeom prst="rect">
-            <a:avLst/>
-          </a:prstGeom>
-          <a:noFill/>
-        </p:spPr>
-        <p:txBody>
-          <a:bodyPr wrap="square" rtlCol="0">
-            <a:spAutoFit/>
-          </a:bodyPr>
-          <a:lstStyle/>
-          <a:p>
-            <a:endParaRPr lang="de-DE" dirty="0"/>
-          </a:p>
-        </p:txBody>
-      </p:sp>
-      <p:sp>
-        <p:nvSpPr>
-          <p:cNvPr id="10" name="Rechteck 9">
-            <a:extLst>
-              <a:ext uri="{FF2B5EF4-FFF2-40B4-BE49-F238E27FC236}">
-                <a16:creationId xmlns:a16="http://schemas.microsoft.com/office/drawing/2014/main" id="{1E642548-5D9B-904E-9ABD-FAB57010B7C0}"/>
-              </a:ext>
-            </a:extLst>
-          </p:cNvPr>
-          <p:cNvSpPr/>
-          <p:nvPr/>
-        </p:nvSpPr>
-        <p:spPr>
-          <a:xfrm>
-            <a:off x="146750" y="2007000"/>
-            <a:ext cx="6408712" cy="2462213"/>
-          </a:xfrm>
-          <a:prstGeom prst="rect">
-            <a:avLst/>
-          </a:prstGeom>
-        </p:spPr>
-        <p:txBody>
-          <a:bodyPr wrap="square">
-            <a:spAutoFit/>
-          </a:bodyPr>
-          <a:lstStyle/>
-          <a:p>
-            <a:r>
-              <a:rPr lang="de-DE" dirty="0"/>
-              <a:t>(?&lt;SINGLE_PIC_OUTPUT&gt;</a:t>
-            </a:r>
-            <a:r>
-              <a:rPr lang="de-DE" dirty="0">
-                <a:solidFill>
-                  <a:schemeClr val="accent6">
-                    <a:lumMod val="75000"/>
-                  </a:schemeClr>
-                </a:solidFill>
-              </a:rPr>
-              <a:t>\(</a:t>
-            </a:r>
-            <a:r>
-              <a:rPr lang="de-DE" dirty="0" err="1">
-                <a:solidFill>
-                  <a:schemeClr val="accent6">
-                    <a:lumMod val="75000"/>
-                  </a:schemeClr>
-                </a:solidFill>
-              </a:rPr>
-              <a:t>ar+ay</a:t>
-            </a:r>
-            <a:r>
-              <a:rPr lang="de-DE" dirty="0">
-                <a:solidFill>
-                  <a:schemeClr val="accent6">
-                    <a:lumMod val="75000"/>
-                  </a:schemeClr>
-                </a:solidFill>
-              </a:rPr>
-              <a:t>\(\[</a:t>
-            </a:r>
-          </a:p>
-          <a:p>
-            <a:r>
-              <a:rPr lang="de-DE" dirty="0">
-                <a:solidFill>
-                  <a:schemeClr val="accent6">
-                    <a:lumMod val="75000"/>
-                  </a:schemeClr>
-                </a:solidFill>
-              </a:rPr>
-              <a:t>(?&lt;HIGHEST_EMO_INDEX&gt;[0-6])([,][ ]*[0-6])*\]</a:t>
-            </a:r>
-          </a:p>
-          <a:p>
-            <a:r>
-              <a:rPr lang="de-DE" dirty="0">
-                <a:solidFill>
-                  <a:schemeClr val="accent6">
-                    <a:lumMod val="75000"/>
-                  </a:schemeClr>
-                </a:solidFill>
-              </a:rPr>
-              <a:t>[, </a:t>
-            </a:r>
-            <a:r>
-              <a:rPr lang="de-DE" dirty="0" err="1">
-                <a:solidFill>
-                  <a:schemeClr val="accent6">
-                    <a:lumMod val="75000"/>
-                  </a:schemeClr>
-                </a:solidFill>
-              </a:rPr>
-              <a:t>dtype</a:t>
-            </a:r>
-            <a:r>
-              <a:rPr lang="de-DE" dirty="0">
-                <a:solidFill>
-                  <a:schemeClr val="accent6">
-                    <a:lumMod val="75000"/>
-                  </a:schemeClr>
-                </a:solidFill>
-              </a:rPr>
-              <a:t>=</a:t>
-            </a:r>
-            <a:r>
-              <a:rPr lang="de-DE" dirty="0" err="1">
-                <a:solidFill>
-                  <a:schemeClr val="accent6">
-                    <a:lumMod val="75000"/>
-                  </a:schemeClr>
-                </a:solidFill>
-              </a:rPr>
-              <a:t>int</a:t>
-            </a:r>
-            <a:r>
-              <a:rPr lang="de-DE" dirty="0">
-                <a:solidFill>
-                  <a:schemeClr val="accent6">
-                    <a:lumMod val="75000"/>
-                  </a:schemeClr>
-                </a:solidFill>
-              </a:rPr>
-              <a:t>[32|64]*]*\)[,][ ]*</a:t>
-            </a:r>
-          </a:p>
-          <a:p>
-            <a:r>
-              <a:rPr lang="de-DE" dirty="0">
-                <a:solidFill>
-                  <a:schemeClr val="accent2">
-                    <a:lumMod val="75000"/>
-                  </a:schemeClr>
-                </a:solidFill>
-              </a:rPr>
-              <a:t>(?&lt;EMO_WEIGHT_ARRAY&gt;</a:t>
-            </a:r>
-            <a:r>
-              <a:rPr lang="de-DE" dirty="0" err="1">
-                <a:solidFill>
-                  <a:schemeClr val="accent2">
-                    <a:lumMod val="75000"/>
-                  </a:schemeClr>
-                </a:solidFill>
-              </a:rPr>
-              <a:t>ar+ay</a:t>
-            </a:r>
-            <a:r>
-              <a:rPr lang="de-DE" dirty="0">
-                <a:solidFill>
-                  <a:schemeClr val="accent2">
-                    <a:lumMod val="75000"/>
-                  </a:schemeClr>
-                </a:solidFill>
-              </a:rPr>
-              <a:t>\(\[</a:t>
-            </a:r>
-          </a:p>
-          <a:p>
-            <a:r>
-              <a:rPr lang="de-DE" dirty="0">
-                <a:solidFill>
-                  <a:schemeClr val="accent2">
-                    <a:lumMod val="75000"/>
-                  </a:schemeClr>
-                </a:solidFill>
-              </a:rPr>
-              <a:t>(?&lt;EMO_WEIGHT_ARRAY 0&gt;[0-9]*[.]*[0-9]*[</a:t>
-            </a:r>
-            <a:r>
-              <a:rPr lang="de-DE" dirty="0" err="1">
-                <a:solidFill>
-                  <a:schemeClr val="accent2">
-                    <a:lumMod val="75000"/>
-                  </a:schemeClr>
-                </a:solidFill>
-              </a:rPr>
-              <a:t>e</a:t>
-            </a:r>
-            <a:r>
-              <a:rPr lang="de-DE" dirty="0">
-                <a:solidFill>
-                  <a:schemeClr val="accent2">
-                    <a:lumMod val="75000"/>
-                  </a:schemeClr>
-                </a:solidFill>
-              </a:rPr>
-              <a:t>]*[-|+]*[0-9]*)[,][ ]*</a:t>
-            </a:r>
-          </a:p>
-          <a:p>
-            <a:r>
-              <a:rPr lang="de-DE" dirty="0">
-                <a:solidFill>
-                  <a:schemeClr val="accent2">
-                    <a:lumMod val="75000"/>
-                  </a:schemeClr>
-                </a:solidFill>
-              </a:rPr>
-              <a:t>(?&lt;EMO_WEIGHT_ARRAY1&gt;[0-9]*[.]*[0-9]*[</a:t>
-            </a:r>
-            <a:r>
-              <a:rPr lang="de-DE" dirty="0" err="1">
-                <a:solidFill>
-                  <a:schemeClr val="accent2">
-                    <a:lumMod val="75000"/>
-                  </a:schemeClr>
-                </a:solidFill>
-              </a:rPr>
-              <a:t>e</a:t>
-            </a:r>
-            <a:r>
-              <a:rPr lang="de-DE" dirty="0">
-                <a:solidFill>
-                  <a:schemeClr val="accent2">
-                    <a:lumMod val="75000"/>
-                  </a:schemeClr>
-                </a:solidFill>
-              </a:rPr>
-              <a:t>]*[-|+]*[0-9]*)[,][ ]*</a:t>
-            </a:r>
-          </a:p>
-          <a:p>
-            <a:r>
-              <a:rPr lang="de-DE" dirty="0">
-                <a:solidFill>
-                  <a:schemeClr val="accent2">
-                    <a:lumMod val="75000"/>
-                  </a:schemeClr>
-                </a:solidFill>
-              </a:rPr>
-              <a:t>(?&lt;EMO_WEIGHT_ARRAY2&gt;[0-9]*[.]*[0-9]*[</a:t>
-            </a:r>
-            <a:r>
-              <a:rPr lang="de-DE" dirty="0" err="1">
-                <a:solidFill>
-                  <a:schemeClr val="accent2">
-                    <a:lumMod val="75000"/>
-                  </a:schemeClr>
-                </a:solidFill>
-              </a:rPr>
-              <a:t>e</a:t>
-            </a:r>
-            <a:r>
-              <a:rPr lang="de-DE" dirty="0">
-                <a:solidFill>
-                  <a:schemeClr val="accent2">
-                    <a:lumMod val="75000"/>
-                  </a:schemeClr>
-                </a:solidFill>
-              </a:rPr>
-              <a:t>]*[-|+]*[0-9]*)[,][ ]*</a:t>
-            </a:r>
-          </a:p>
-          <a:p>
-            <a:r>
-              <a:rPr lang="de-DE" dirty="0">
-                <a:solidFill>
-                  <a:schemeClr val="accent2">
-                    <a:lumMod val="75000"/>
-                  </a:schemeClr>
-                </a:solidFill>
-              </a:rPr>
-              <a:t>(?&lt;EMO_WEIGHT_ARRAY3&gt;[0-9]*[.]*[0-9]*[</a:t>
-            </a:r>
-            <a:r>
-              <a:rPr lang="de-DE" dirty="0" err="1">
-                <a:solidFill>
-                  <a:schemeClr val="accent2">
-                    <a:lumMod val="75000"/>
-                  </a:schemeClr>
-                </a:solidFill>
-              </a:rPr>
-              <a:t>e</a:t>
-            </a:r>
-            <a:r>
-              <a:rPr lang="de-DE" dirty="0">
-                <a:solidFill>
-                  <a:schemeClr val="accent2">
-                    <a:lumMod val="75000"/>
-                  </a:schemeClr>
-                </a:solidFill>
-              </a:rPr>
-              <a:t>]*[-|+]*[0-9]*)[,][ ]*</a:t>
-            </a:r>
-          </a:p>
-          <a:p>
-            <a:r>
-              <a:rPr lang="de-DE" dirty="0">
-                <a:solidFill>
-                  <a:schemeClr val="accent2">
-                    <a:lumMod val="75000"/>
-                  </a:schemeClr>
-                </a:solidFill>
-              </a:rPr>
-              <a:t>(?&lt;EMO_WEIGHT_ARRAY4&gt;[0-9]*[.]*[0-9]*[</a:t>
-            </a:r>
-            <a:r>
-              <a:rPr lang="de-DE" dirty="0" err="1">
-                <a:solidFill>
-                  <a:schemeClr val="accent2">
-                    <a:lumMod val="75000"/>
-                  </a:schemeClr>
-                </a:solidFill>
-              </a:rPr>
-              <a:t>e</a:t>
-            </a:r>
-            <a:r>
-              <a:rPr lang="de-DE" dirty="0">
-                <a:solidFill>
-                  <a:schemeClr val="accent2">
-                    <a:lumMod val="75000"/>
-                  </a:schemeClr>
-                </a:solidFill>
-              </a:rPr>
-              <a:t>]*[-|+]*[0-9]*)[,][ ]*</a:t>
-            </a:r>
-          </a:p>
-          <a:p>
-            <a:r>
-              <a:rPr lang="de-DE" dirty="0">
-                <a:solidFill>
-                  <a:schemeClr val="accent2">
-                    <a:lumMod val="75000"/>
-                  </a:schemeClr>
-                </a:solidFill>
-              </a:rPr>
-              <a:t>(?&lt;EMO_WEIGHT_ARRAY5&gt;[0-9]*[.]*[0-9]*[</a:t>
-            </a:r>
-            <a:r>
-              <a:rPr lang="de-DE" dirty="0" err="1">
-                <a:solidFill>
-                  <a:schemeClr val="accent2">
-                    <a:lumMod val="75000"/>
-                  </a:schemeClr>
-                </a:solidFill>
-              </a:rPr>
-              <a:t>e</a:t>
-            </a:r>
-            <a:r>
-              <a:rPr lang="de-DE" dirty="0">
-                <a:solidFill>
-                  <a:schemeClr val="accent2">
-                    <a:lumMod val="75000"/>
-                  </a:schemeClr>
-                </a:solidFill>
-              </a:rPr>
-              <a:t>]*[-|+]*[0-9]*)[,][ ]*</a:t>
-            </a:r>
-          </a:p>
-          <a:p>
-            <a:r>
-              <a:rPr lang="de-DE" dirty="0">
-                <a:solidFill>
-                  <a:schemeClr val="accent2">
-                    <a:lumMod val="75000"/>
-                  </a:schemeClr>
-                </a:solidFill>
-              </a:rPr>
-              <a:t>(?&lt;EMO_WEIGHT_ARRAY6&gt;[0-9]*[.]*[0-9]*[</a:t>
-            </a:r>
-            <a:r>
-              <a:rPr lang="de-DE" dirty="0" err="1">
-                <a:solidFill>
-                  <a:schemeClr val="accent2">
-                    <a:lumMod val="75000"/>
-                  </a:schemeClr>
-                </a:solidFill>
-              </a:rPr>
-              <a:t>e</a:t>
-            </a:r>
-            <a:r>
-              <a:rPr lang="de-DE" dirty="0">
-                <a:solidFill>
-                  <a:schemeClr val="accent2">
-                    <a:lumMod val="75000"/>
-                  </a:schemeClr>
-                </a:solidFill>
-              </a:rPr>
-              <a:t>]*[-|+]*[0-9]*)))</a:t>
-            </a:r>
-          </a:p>
-        </p:txBody>
-      </p:sp>
-      <p:sp>
-        <p:nvSpPr>
-          <p:cNvPr id="5" name="Textfeld 4">
-            <a:extLst>
-              <a:ext uri="{FF2B5EF4-FFF2-40B4-BE49-F238E27FC236}">
-                <a16:creationId xmlns:a16="http://schemas.microsoft.com/office/drawing/2014/main" id="{8EE22503-52FF-374C-BBBD-3AAFB0E9D001}"/>
-              </a:ext>
-            </a:extLst>
-          </p:cNvPr>
-          <p:cNvSpPr txBox="1"/>
-          <p:nvPr/>
-        </p:nvSpPr>
-        <p:spPr>
-          <a:xfrm>
-            <a:off x="4355976" y="2062898"/>
-            <a:ext cx="4743606" cy="523220"/>
-          </a:xfrm>
-          <a:prstGeom prst="rect">
-            <a:avLst/>
-          </a:prstGeom>
-          <a:noFill/>
-        </p:spPr>
-        <p:txBody>
-          <a:bodyPr wrap="none" rtlCol="0">
-            <a:spAutoFit/>
-          </a:bodyPr>
-          <a:lstStyle/>
-          <a:p>
-            <a:r>
-              <a:rPr lang="de-DE" dirty="0"/>
-              <a:t>Index des Gewichts der zugewiesenen Emotion &amp;</a:t>
-            </a:r>
-          </a:p>
-          <a:p>
-            <a:r>
-              <a:rPr lang="de-DE" dirty="0"/>
-              <a:t>Index des Namens der zugewiesenen Emotion an [0]</a:t>
-            </a:r>
-          </a:p>
-        </p:txBody>
-      </p:sp>
-      <p:sp>
-        <p:nvSpPr>
-          <p:cNvPr id="8" name="Textfeld 7">
-            <a:extLst>
-              <a:ext uri="{FF2B5EF4-FFF2-40B4-BE49-F238E27FC236}">
-                <a16:creationId xmlns:a16="http://schemas.microsoft.com/office/drawing/2014/main" id="{A44180C0-DCE5-234D-9C80-DAD421C88080}"/>
-              </a:ext>
-            </a:extLst>
-          </p:cNvPr>
-          <p:cNvSpPr txBox="1"/>
-          <p:nvPr/>
-        </p:nvSpPr>
-        <p:spPr>
-          <a:xfrm>
-            <a:off x="5689817" y="3291830"/>
-            <a:ext cx="3275256" cy="307777"/>
-          </a:xfrm>
-          <a:prstGeom prst="rect">
-            <a:avLst/>
-          </a:prstGeom>
-          <a:noFill/>
-        </p:spPr>
-        <p:txBody>
-          <a:bodyPr wrap="none" rtlCol="0">
-            <a:spAutoFit/>
-          </a:bodyPr>
-          <a:lstStyle/>
-          <a:p>
-            <a:r>
-              <a:rPr lang="de-DE" dirty="0"/>
-              <a:t>Gewicht der zugewiesenen Emotion</a:t>
-            </a:r>
-          </a:p>
-        </p:txBody>
-      </p:sp>
-    </p:spTree>
-    <p:extLst>
-      <p:ext uri="{BB962C8B-B14F-4D97-AF65-F5344CB8AC3E}">
-        <p14:creationId xmlns:p14="http://schemas.microsoft.com/office/powerpoint/2010/main" val="3850999605"/>
-      </p:ext>
-    </p:extLst>
-  </p:cSld>
-  <p:clrMapOvr>
-    <a:masterClrMapping/>
-  </p:clrMapOvr>
-</p:sld>
-</file>
-
-<file path=ppt/slides/slide4.xml><?xml version="1.0" encoding="utf-8"?>
-<p:sld xmlns:a="http://schemas.openxmlformats.org/drawingml/2006/main" xmlns:r="http://schemas.openxmlformats.org/officeDocument/2006/relationships" xmlns:p="http://schemas.openxmlformats.org/presentationml/2006/main">
-  <p:cSld>
-    <p:spTree>
-      <p:nvGrpSpPr>
-        <p:cNvPr id="1" name=""/>
-        <p:cNvGrpSpPr/>
-        <p:nvPr/>
-      </p:nvGrpSpPr>
-      <p:grpSpPr>
-        <a:xfrm>
-          <a:off x="0" y="0"/>
-          <a:ext cx="0" cy="0"/>
-          <a:chOff x="0" y="0"/>
-          <a:chExt cx="0" cy="0"/>
-        </a:xfrm>
-      </p:grpSpPr>
-      <p:sp>
-        <p:nvSpPr>
-          <p:cNvPr id="2" name="Datumsplatzhalter 1">
-            <a:extLst>
-              <a:ext uri="{FF2B5EF4-FFF2-40B4-BE49-F238E27FC236}">
-                <a16:creationId xmlns:a16="http://schemas.microsoft.com/office/drawing/2014/main" id="{675C47AD-DBB6-AF45-B827-279F8453D85A}"/>
-              </a:ext>
-            </a:extLst>
-          </p:cNvPr>
-          <p:cNvSpPr>
-            <a:spLocks noGrp="1"/>
-          </p:cNvSpPr>
-          <p:nvPr>
-            <p:ph type="dt" sz="half" idx="10"/>
-          </p:nvPr>
-        </p:nvSpPr>
-        <p:spPr/>
-        <p:txBody>
-          <a:bodyPr/>
-          <a:lstStyle/>
-          <a:p>
-            <a:r>
-              <a:rPr lang="de-DE"/>
-              <a:t>14.07.2016</a:t>
-            </a:r>
-            <a:endParaRPr lang="de-DE" dirty="0"/>
-          </a:p>
-        </p:txBody>
-      </p:sp>
-      <p:sp>
-        <p:nvSpPr>
-          <p:cNvPr id="3" name="Fußzeilenplatzhalter 2">
-            <a:extLst>
-              <a:ext uri="{FF2B5EF4-FFF2-40B4-BE49-F238E27FC236}">
-                <a16:creationId xmlns:a16="http://schemas.microsoft.com/office/drawing/2014/main" id="{228F4FFB-361C-264C-9F96-0F5FA302539A}"/>
-              </a:ext>
-            </a:extLst>
-          </p:cNvPr>
-          <p:cNvSpPr>
-            <a:spLocks noGrp="1"/>
-          </p:cNvSpPr>
-          <p:nvPr>
-            <p:ph type="ftr" sz="quarter" idx="11"/>
-          </p:nvPr>
-        </p:nvSpPr>
-        <p:spPr/>
-        <p:txBody>
-          <a:bodyPr/>
-          <a:lstStyle/>
-          <a:p>
-            <a:r>
-              <a:rPr lang="de-DE"/>
-              <a:t>Vorlagen PPT der OTH Regensburg - Format 16x9</a:t>
-            </a:r>
-            <a:endParaRPr lang="de-DE" dirty="0"/>
-          </a:p>
-        </p:txBody>
-      </p:sp>
-      <p:sp>
-        <p:nvSpPr>
-          <p:cNvPr id="4" name="Foliennummernplatzhalter 3">
-            <a:extLst>
-              <a:ext uri="{FF2B5EF4-FFF2-40B4-BE49-F238E27FC236}">
-                <a16:creationId xmlns:a16="http://schemas.microsoft.com/office/drawing/2014/main" id="{B71E2494-62FF-E346-AF0F-44418411FB1B}"/>
-              </a:ext>
-            </a:extLst>
-          </p:cNvPr>
-          <p:cNvSpPr>
-            <a:spLocks noGrp="1"/>
-          </p:cNvSpPr>
-          <p:nvPr>
-            <p:ph type="sldNum" sz="quarter" idx="12"/>
-          </p:nvPr>
-        </p:nvSpPr>
-        <p:spPr/>
-        <p:txBody>
-          <a:bodyPr/>
-          <a:lstStyle/>
-          <a:p>
-            <a:r>
-              <a:rPr lang="de-DE"/>
-              <a:t>S. </a:t>
-            </a:r>
-            <a:fld id="{D7EFD9E5-FB44-4C01-A2C2-48348664E7CC}" type="slidenum">
-              <a:rPr lang="de-DE" smtClean="0"/>
-              <a:pPr/>
-              <a:t>4</a:t>
-            </a:fld>
-            <a:endParaRPr lang="de-DE" dirty="0"/>
-          </a:p>
-        </p:txBody>
-      </p:sp>
-      <p:sp>
-        <p:nvSpPr>
-          <p:cNvPr id="6" name="Textplatzhalter 5">
-            <a:extLst>
-              <a:ext uri="{FF2B5EF4-FFF2-40B4-BE49-F238E27FC236}">
-                <a16:creationId xmlns:a16="http://schemas.microsoft.com/office/drawing/2014/main" id="{322AD5D4-1293-C347-9DBD-4CB94FD04DBA}"/>
-              </a:ext>
-            </a:extLst>
-          </p:cNvPr>
-          <p:cNvSpPr>
-            <a:spLocks noGrp="1"/>
-          </p:cNvSpPr>
-          <p:nvPr>
-            <p:ph type="body" sz="quarter" idx="13"/>
-          </p:nvPr>
-        </p:nvSpPr>
-        <p:spPr/>
-        <p:txBody>
-          <a:bodyPr/>
-          <a:lstStyle/>
-          <a:p>
-            <a:r>
-              <a:rPr lang="de-DE"/>
-              <a:t>Reguläre Ausdrücke – Erstes Array</a:t>
-            </a:r>
-            <a:endParaRPr lang="de-DE" dirty="0"/>
-          </a:p>
-        </p:txBody>
-      </p:sp>
-      <p:sp>
-        <p:nvSpPr>
-          <p:cNvPr id="7" name="Titel 6">
-            <a:extLst>
-              <a:ext uri="{FF2B5EF4-FFF2-40B4-BE49-F238E27FC236}">
-                <a16:creationId xmlns:a16="http://schemas.microsoft.com/office/drawing/2014/main" id="{3444E9F3-2B09-3246-B248-DB36EB14F46D}"/>
-              </a:ext>
-            </a:extLst>
-          </p:cNvPr>
-          <p:cNvSpPr>
-            <a:spLocks noGrp="1"/>
-          </p:cNvSpPr>
-          <p:nvPr>
-            <p:ph type="title"/>
-          </p:nvPr>
-        </p:nvSpPr>
-        <p:spPr/>
-        <p:txBody>
-          <a:bodyPr/>
-          <a:lstStyle/>
-          <a:p>
-            <a:r>
-              <a:rPr lang="de-DE" dirty="0"/>
-              <a:t>NN</a:t>
-            </a:r>
-          </a:p>
-        </p:txBody>
-      </p:sp>
-      <p:sp>
-        <p:nvSpPr>
-          <p:cNvPr id="12" name="Textfeld 11">
-            <a:extLst>
-              <a:ext uri="{FF2B5EF4-FFF2-40B4-BE49-F238E27FC236}">
-                <a16:creationId xmlns:a16="http://schemas.microsoft.com/office/drawing/2014/main" id="{BE96A17C-FAC2-4E48-A01F-A8C39DD6C9DE}"/>
-              </a:ext>
-            </a:extLst>
-          </p:cNvPr>
-          <p:cNvSpPr txBox="1"/>
-          <p:nvPr/>
-        </p:nvSpPr>
-        <p:spPr>
-          <a:xfrm>
-            <a:off x="1547664" y="2859782"/>
-            <a:ext cx="184731" cy="307777"/>
-          </a:xfrm>
-          <a:prstGeom prst="rect">
-            <a:avLst/>
-          </a:prstGeom>
-          <a:noFill/>
-        </p:spPr>
-        <p:txBody>
-          <a:bodyPr wrap="square" rtlCol="0">
-            <a:spAutoFit/>
-          </a:bodyPr>
-          <a:lstStyle/>
-          <a:p>
-            <a:endParaRPr lang="de-DE" dirty="0"/>
-          </a:p>
-        </p:txBody>
-      </p:sp>
-      <p:sp>
-        <p:nvSpPr>
-          <p:cNvPr id="10" name="Rechteck 9">
-            <a:extLst>
-              <a:ext uri="{FF2B5EF4-FFF2-40B4-BE49-F238E27FC236}">
-                <a16:creationId xmlns:a16="http://schemas.microsoft.com/office/drawing/2014/main" id="{1E642548-5D9B-904E-9ABD-FAB57010B7C0}"/>
-              </a:ext>
-            </a:extLst>
-          </p:cNvPr>
-          <p:cNvSpPr/>
-          <p:nvPr/>
-        </p:nvSpPr>
-        <p:spPr>
-          <a:xfrm>
-            <a:off x="146750" y="2007000"/>
-            <a:ext cx="6408712" cy="2462213"/>
-          </a:xfrm>
-          <a:prstGeom prst="rect">
-            <a:avLst/>
-          </a:prstGeom>
-        </p:spPr>
-        <p:txBody>
-          <a:bodyPr wrap="square">
-            <a:spAutoFit/>
-          </a:bodyPr>
-          <a:lstStyle/>
-          <a:p>
-            <a:r>
-              <a:rPr lang="de-DE" dirty="0"/>
-              <a:t>(?&lt;SINGLE_PIC_OUTPUT&gt;\(</a:t>
-            </a:r>
-            <a:r>
-              <a:rPr lang="de-DE" dirty="0" err="1"/>
-              <a:t>ar+ay</a:t>
-            </a:r>
-            <a:r>
-              <a:rPr lang="de-DE" dirty="0"/>
-              <a:t>\(\[</a:t>
-            </a:r>
-          </a:p>
-          <a:p>
-            <a:r>
-              <a:rPr lang="de-DE" dirty="0">
-                <a:solidFill>
-                  <a:schemeClr val="accent2">
-                    <a:lumMod val="75000"/>
-                  </a:schemeClr>
-                </a:solidFill>
-              </a:rPr>
-              <a:t>(?&lt;HIGHEST_EMO_INDEX&gt;[0-6])</a:t>
-            </a:r>
-            <a:r>
-              <a:rPr lang="de-DE" dirty="0">
-                <a:solidFill>
-                  <a:schemeClr val="accent6">
-                    <a:lumMod val="75000"/>
-                  </a:schemeClr>
-                </a:solidFill>
-              </a:rPr>
-              <a:t>([,][ ]*[0-6])*\]</a:t>
-            </a:r>
-          </a:p>
-          <a:p>
-            <a:r>
-              <a:rPr lang="de-DE" dirty="0">
-                <a:solidFill>
-                  <a:srgbClr val="7030A0"/>
-                </a:solidFill>
-              </a:rPr>
-              <a:t>[, </a:t>
-            </a:r>
-            <a:r>
-              <a:rPr lang="de-DE" dirty="0" err="1">
-                <a:solidFill>
-                  <a:srgbClr val="7030A0"/>
-                </a:solidFill>
-              </a:rPr>
-              <a:t>dtype</a:t>
-            </a:r>
-            <a:r>
-              <a:rPr lang="de-DE" dirty="0">
-                <a:solidFill>
-                  <a:srgbClr val="7030A0"/>
-                </a:solidFill>
-              </a:rPr>
-              <a:t>=</a:t>
-            </a:r>
-            <a:r>
-              <a:rPr lang="de-DE" dirty="0" err="1">
-                <a:solidFill>
-                  <a:srgbClr val="7030A0"/>
-                </a:solidFill>
-              </a:rPr>
-              <a:t>int</a:t>
-            </a:r>
-            <a:r>
-              <a:rPr lang="de-DE" dirty="0">
-                <a:solidFill>
-                  <a:srgbClr val="7030A0"/>
-                </a:solidFill>
-              </a:rPr>
-              <a:t>[32|64]*]*\)[,][ ]*</a:t>
-            </a:r>
-          </a:p>
-          <a:p>
-            <a:r>
-              <a:rPr lang="de-DE" dirty="0"/>
-              <a:t>(?&lt;EMO_WEIGHT_ARRAY&gt;</a:t>
-            </a:r>
-            <a:r>
-              <a:rPr lang="de-DE" dirty="0" err="1"/>
-              <a:t>ar+ay</a:t>
-            </a:r>
-            <a:r>
-              <a:rPr lang="de-DE" dirty="0"/>
-              <a:t>\(\[</a:t>
-            </a:r>
-          </a:p>
-          <a:p>
-            <a:r>
-              <a:rPr lang="de-DE" dirty="0"/>
-              <a:t>(?&lt;EMO_WEIGHT_ARRAY0&gt;[0-9]*[.]*[0-9]*[</a:t>
-            </a:r>
-            <a:r>
-              <a:rPr lang="de-DE" dirty="0" err="1"/>
-              <a:t>e</a:t>
-            </a:r>
-            <a:r>
-              <a:rPr lang="de-DE" dirty="0"/>
-              <a:t>]*[-|+]*[0-9]*)[,][ ]*</a:t>
-            </a:r>
-          </a:p>
-          <a:p>
-            <a:r>
-              <a:rPr lang="de-DE" dirty="0"/>
-              <a:t>(?&lt;EMO_WEIGHT_ARRAY1&gt;[0-9]*[.]*[0-9]*[</a:t>
-            </a:r>
-            <a:r>
-              <a:rPr lang="de-DE" dirty="0" err="1"/>
-              <a:t>e</a:t>
-            </a:r>
-            <a:r>
-              <a:rPr lang="de-DE" dirty="0"/>
-              <a:t>]*[-|+]*[0-9]*)[,][ ]*</a:t>
-            </a:r>
-          </a:p>
-          <a:p>
-            <a:r>
-              <a:rPr lang="de-DE" dirty="0"/>
-              <a:t>(?&lt;EMO_WEIGHT_ARRAY2&gt;[0-9]*[.]*[0-9]*[</a:t>
-            </a:r>
-            <a:r>
-              <a:rPr lang="de-DE" dirty="0" err="1"/>
-              <a:t>e</a:t>
-            </a:r>
-            <a:r>
-              <a:rPr lang="de-DE" dirty="0"/>
-              <a:t>]*[-|+]*[0-9]*)[,][ ]*</a:t>
-            </a:r>
-          </a:p>
-          <a:p>
-            <a:r>
-              <a:rPr lang="de-DE" dirty="0"/>
-              <a:t>(?&lt;EMO_WEIGHT_ARRAY3&gt;[0-9]*[.]*[0-9]*[</a:t>
-            </a:r>
-            <a:r>
-              <a:rPr lang="de-DE" dirty="0" err="1"/>
-              <a:t>e</a:t>
-            </a:r>
-            <a:r>
-              <a:rPr lang="de-DE" dirty="0"/>
-              <a:t>]*[-|+]*[0-9]*)[,][ ]*</a:t>
-            </a:r>
-          </a:p>
-          <a:p>
-            <a:r>
-              <a:rPr lang="de-DE" dirty="0"/>
-              <a:t>(?&lt;EMO_WEIGHT_ARRAY4&gt;[0-9]*[.]*[0-9]*[</a:t>
-            </a:r>
-            <a:r>
-              <a:rPr lang="de-DE" dirty="0" err="1"/>
-              <a:t>e</a:t>
-            </a:r>
-            <a:r>
-              <a:rPr lang="de-DE" dirty="0"/>
-              <a:t>]*[-|+]*[0-9]*)[,][ ]*</a:t>
-            </a:r>
-          </a:p>
-          <a:p>
-            <a:r>
-              <a:rPr lang="de-DE" dirty="0"/>
-              <a:t>(?&lt;EMO_WEIGHT_ARRAY5&gt;[0-9]*[.]*[0-9]*[</a:t>
-            </a:r>
-            <a:r>
-              <a:rPr lang="de-DE" dirty="0" err="1"/>
-              <a:t>e</a:t>
-            </a:r>
-            <a:r>
-              <a:rPr lang="de-DE" dirty="0"/>
-              <a:t>]*[-|+]*[0-9]*)[,][ ]*</a:t>
-            </a:r>
-          </a:p>
-          <a:p>
-            <a:r>
-              <a:rPr lang="de-DE" dirty="0"/>
-              <a:t>(?&lt;EMO_WEIGHT_ARRAY6&gt;[0-9]*[.]*[0-9]*[</a:t>
-            </a:r>
-            <a:r>
-              <a:rPr lang="de-DE" dirty="0" err="1"/>
-              <a:t>e</a:t>
-            </a:r>
-            <a:r>
-              <a:rPr lang="de-DE" dirty="0"/>
-              <a:t>]*[-|+]*[0-9]*)))</a:t>
-            </a:r>
-          </a:p>
-        </p:txBody>
-      </p:sp>
-      <p:sp>
-        <p:nvSpPr>
-          <p:cNvPr id="14" name="Textfeld 13">
-            <a:extLst>
-              <a:ext uri="{FF2B5EF4-FFF2-40B4-BE49-F238E27FC236}">
-                <a16:creationId xmlns:a16="http://schemas.microsoft.com/office/drawing/2014/main" id="{3358E298-661F-4B4F-8556-7937591CB228}"/>
-              </a:ext>
-            </a:extLst>
-          </p:cNvPr>
-          <p:cNvSpPr txBox="1"/>
-          <p:nvPr/>
-        </p:nvSpPr>
-        <p:spPr>
-          <a:xfrm>
-            <a:off x="146750" y="984093"/>
-            <a:ext cx="8749420" cy="954107"/>
-          </a:xfrm>
-          <a:prstGeom prst="rect">
-            <a:avLst/>
-          </a:prstGeom>
-          <a:noFill/>
-        </p:spPr>
-        <p:txBody>
-          <a:bodyPr wrap="square" rtlCol="0">
-            <a:spAutoFit/>
-          </a:bodyPr>
-          <a:lstStyle/>
-          <a:p>
-            <a:r>
-              <a:rPr lang="de-DE" dirty="0" err="1"/>
-              <a:t>Faces</a:t>
-            </a:r>
-            <a:r>
-              <a:rPr lang="de-DE" dirty="0"/>
-              <a:t> </a:t>
-            </a:r>
-            <a:r>
-              <a:rPr lang="de-DE" dirty="0" err="1"/>
-              <a:t>found</a:t>
-            </a:r>
-            <a:r>
-              <a:rPr lang="de-DE" dirty="0"/>
-              <a:t>:  1</a:t>
-            </a:r>
-          </a:p>
-          <a:p>
-            <a:r>
-              <a:rPr lang="de-DE" dirty="0"/>
-              <a:t>(</a:t>
-            </a:r>
-            <a:r>
-              <a:rPr lang="de-DE" dirty="0" err="1"/>
-              <a:t>array</a:t>
-            </a:r>
-            <a:r>
-              <a:rPr lang="de-DE" dirty="0"/>
-              <a:t>([</a:t>
-            </a:r>
-            <a:r>
-              <a:rPr lang="de-DE" dirty="0">
-                <a:solidFill>
-                  <a:schemeClr val="accent2">
-                    <a:lumMod val="75000"/>
-                  </a:schemeClr>
-                </a:solidFill>
-              </a:rPr>
-              <a:t>3</a:t>
-            </a:r>
-            <a:r>
-              <a:rPr lang="de-DE" dirty="0">
-                <a:solidFill>
-                  <a:schemeClr val="accent6">
-                    <a:lumMod val="75000"/>
-                  </a:schemeClr>
-                </a:solidFill>
-              </a:rPr>
-              <a:t>,⎵6,⎵4,⎵0,⎵5,⎵1,⎵2</a:t>
-            </a:r>
-            <a:r>
-              <a:rPr lang="de-DE" dirty="0">
-                <a:solidFill>
-                  <a:schemeClr val="accent5">
-                    <a:lumMod val="75000"/>
-                  </a:schemeClr>
-                </a:solidFill>
-              </a:rPr>
-              <a:t>]</a:t>
-            </a:r>
-            <a:r>
-              <a:rPr lang="de-DE" dirty="0">
-                <a:solidFill>
-                  <a:srgbClr val="7030A0"/>
-                </a:solidFill>
-              </a:rPr>
-              <a:t>,⎵</a:t>
-            </a:r>
-            <a:r>
-              <a:rPr lang="de-DE" dirty="0" err="1">
-                <a:solidFill>
-                  <a:srgbClr val="7030A0"/>
-                </a:solidFill>
-              </a:rPr>
-              <a:t>dtype</a:t>
-            </a:r>
-            <a:r>
-              <a:rPr lang="de-DE" dirty="0">
-                <a:solidFill>
-                  <a:srgbClr val="7030A0"/>
-                </a:solidFill>
-              </a:rPr>
-              <a:t>=int64),⎵</a:t>
-            </a:r>
-            <a:r>
-              <a:rPr lang="de-DE" dirty="0" err="1"/>
-              <a:t>array</a:t>
-            </a:r>
-            <a:r>
-              <a:rPr lang="de-DE" dirty="0"/>
-              <a:t>([5.4954283e-04,⎵3.3311819e-04,⎵1.8420095e-04,⎵9.7565746e-01,</a:t>
-            </a:r>
-          </a:p>
-          <a:p>
-            <a:r>
-              <a:rPr lang="de-DE" dirty="0"/>
-              <a:t>⎵⎵⎵⎵⎵⎵⎵9.4697025e-04,⎵5.0289807e-04,⎵2.1825831e-02],⎵</a:t>
-            </a:r>
-            <a:r>
-              <a:rPr lang="de-DE" dirty="0" err="1"/>
-              <a:t>dtype</a:t>
-            </a:r>
-            <a:r>
-              <a:rPr lang="de-DE" dirty="0"/>
-              <a:t>=float32))</a:t>
-            </a:r>
-          </a:p>
-        </p:txBody>
-      </p:sp>
-    </p:spTree>
-    <p:extLst>
-      <p:ext uri="{BB962C8B-B14F-4D97-AF65-F5344CB8AC3E}">
-        <p14:creationId xmlns:p14="http://schemas.microsoft.com/office/powerpoint/2010/main" val="2199183766"/>
-      </p:ext>
-    </p:extLst>
-  </p:cSld>
-  <p:clrMapOvr>
-    <a:masterClrMapping/>
-  </p:clrMapOvr>
-</p:sld>
-</file>
-
-<file path=ppt/slides/slide5.xml><?xml version="1.0" encoding="utf-8"?>
-<p:sld xmlns:a="http://schemas.openxmlformats.org/drawingml/2006/main" xmlns:r="http://schemas.openxmlformats.org/officeDocument/2006/relationships" xmlns:p="http://schemas.openxmlformats.org/presentationml/2006/main">
-  <p:cSld>
-    <p:spTree>
-      <p:nvGrpSpPr>
-        <p:cNvPr id="1" name=""/>
-        <p:cNvGrpSpPr/>
-        <p:nvPr/>
-      </p:nvGrpSpPr>
-      <p:grpSpPr>
-        <a:xfrm>
-          <a:off x="0" y="0"/>
-          <a:ext cx="0" cy="0"/>
-          <a:chOff x="0" y="0"/>
-          <a:chExt cx="0" cy="0"/>
-        </a:xfrm>
-      </p:grpSpPr>
-      <p:sp>
-        <p:nvSpPr>
-          <p:cNvPr id="2" name="Datumsplatzhalter 1">
-            <a:extLst>
-              <a:ext uri="{FF2B5EF4-FFF2-40B4-BE49-F238E27FC236}">
-                <a16:creationId xmlns:a16="http://schemas.microsoft.com/office/drawing/2014/main" id="{675C47AD-DBB6-AF45-B827-279F8453D85A}"/>
-              </a:ext>
-            </a:extLst>
-          </p:cNvPr>
-          <p:cNvSpPr>
-            <a:spLocks noGrp="1"/>
-          </p:cNvSpPr>
-          <p:nvPr>
-            <p:ph type="dt" sz="half" idx="10"/>
-          </p:nvPr>
-        </p:nvSpPr>
-        <p:spPr/>
-        <p:txBody>
-          <a:bodyPr/>
-          <a:lstStyle/>
-          <a:p>
-            <a:r>
-              <a:rPr lang="de-DE"/>
-              <a:t>14.07.2016</a:t>
-            </a:r>
-            <a:endParaRPr lang="de-DE" dirty="0"/>
-          </a:p>
-        </p:txBody>
-      </p:sp>
-      <p:sp>
-        <p:nvSpPr>
-          <p:cNvPr id="3" name="Fußzeilenplatzhalter 2">
-            <a:extLst>
-              <a:ext uri="{FF2B5EF4-FFF2-40B4-BE49-F238E27FC236}">
-                <a16:creationId xmlns:a16="http://schemas.microsoft.com/office/drawing/2014/main" id="{228F4FFB-361C-264C-9F96-0F5FA302539A}"/>
-              </a:ext>
-            </a:extLst>
-          </p:cNvPr>
-          <p:cNvSpPr>
-            <a:spLocks noGrp="1"/>
-          </p:cNvSpPr>
-          <p:nvPr>
-            <p:ph type="ftr" sz="quarter" idx="11"/>
-          </p:nvPr>
-        </p:nvSpPr>
-        <p:spPr/>
-        <p:txBody>
-          <a:bodyPr/>
-          <a:lstStyle/>
-          <a:p>
-            <a:r>
-              <a:rPr lang="de-DE"/>
-              <a:t>Vorlagen PPT der OTH Regensburg - Format 16x9</a:t>
-            </a:r>
-            <a:endParaRPr lang="de-DE" dirty="0"/>
-          </a:p>
-        </p:txBody>
-      </p:sp>
-      <p:sp>
-        <p:nvSpPr>
-          <p:cNvPr id="4" name="Foliennummernplatzhalter 3">
-            <a:extLst>
-              <a:ext uri="{FF2B5EF4-FFF2-40B4-BE49-F238E27FC236}">
-                <a16:creationId xmlns:a16="http://schemas.microsoft.com/office/drawing/2014/main" id="{B71E2494-62FF-E346-AF0F-44418411FB1B}"/>
-              </a:ext>
-            </a:extLst>
-          </p:cNvPr>
-          <p:cNvSpPr>
-            <a:spLocks noGrp="1"/>
-          </p:cNvSpPr>
-          <p:nvPr>
-            <p:ph type="sldNum" sz="quarter" idx="12"/>
-          </p:nvPr>
-        </p:nvSpPr>
-        <p:spPr/>
-        <p:txBody>
-          <a:bodyPr/>
-          <a:lstStyle/>
-          <a:p>
-            <a:r>
-              <a:rPr lang="de-DE"/>
-              <a:t>S. </a:t>
-            </a:r>
-            <a:fld id="{D7EFD9E5-FB44-4C01-A2C2-48348664E7CC}" type="slidenum">
-              <a:rPr lang="de-DE" smtClean="0"/>
-              <a:pPr/>
-              <a:t>5</a:t>
-            </a:fld>
-            <a:endParaRPr lang="de-DE" dirty="0"/>
-          </a:p>
-        </p:txBody>
-      </p:sp>
-      <p:sp>
-        <p:nvSpPr>
-          <p:cNvPr id="6" name="Textplatzhalter 5">
-            <a:extLst>
-              <a:ext uri="{FF2B5EF4-FFF2-40B4-BE49-F238E27FC236}">
-                <a16:creationId xmlns:a16="http://schemas.microsoft.com/office/drawing/2014/main" id="{322AD5D4-1293-C347-9DBD-4CB94FD04DBA}"/>
-              </a:ext>
-            </a:extLst>
-          </p:cNvPr>
-          <p:cNvSpPr>
-            <a:spLocks noGrp="1"/>
-          </p:cNvSpPr>
-          <p:nvPr>
-            <p:ph type="body" sz="quarter" idx="13"/>
-          </p:nvPr>
-        </p:nvSpPr>
-        <p:spPr/>
-        <p:txBody>
-          <a:bodyPr/>
-          <a:lstStyle/>
-          <a:p>
-            <a:r>
-              <a:rPr lang="de-DE"/>
-              <a:t>Reguläre Ausdrücke – Zweites Array</a:t>
-            </a:r>
-            <a:endParaRPr lang="de-DE" dirty="0"/>
-          </a:p>
-        </p:txBody>
-      </p:sp>
-      <p:sp>
-        <p:nvSpPr>
-          <p:cNvPr id="7" name="Titel 6">
-            <a:extLst>
-              <a:ext uri="{FF2B5EF4-FFF2-40B4-BE49-F238E27FC236}">
-                <a16:creationId xmlns:a16="http://schemas.microsoft.com/office/drawing/2014/main" id="{3444E9F3-2B09-3246-B248-DB36EB14F46D}"/>
-              </a:ext>
-            </a:extLst>
-          </p:cNvPr>
-          <p:cNvSpPr>
-            <a:spLocks noGrp="1"/>
-          </p:cNvSpPr>
-          <p:nvPr>
-            <p:ph type="title"/>
-          </p:nvPr>
-        </p:nvSpPr>
-        <p:spPr/>
-        <p:txBody>
-          <a:bodyPr/>
-          <a:lstStyle/>
-          <a:p>
-            <a:r>
-              <a:rPr lang="de-DE" dirty="0"/>
-              <a:t>NN</a:t>
-            </a:r>
-          </a:p>
-        </p:txBody>
-      </p:sp>
-      <p:sp>
-        <p:nvSpPr>
-          <p:cNvPr id="11" name="Textfeld 10">
-            <a:extLst>
-              <a:ext uri="{FF2B5EF4-FFF2-40B4-BE49-F238E27FC236}">
-                <a16:creationId xmlns:a16="http://schemas.microsoft.com/office/drawing/2014/main" id="{41D80CE3-5D58-2442-BCC6-6EF6CC9954E2}"/>
-              </a:ext>
-            </a:extLst>
-          </p:cNvPr>
-          <p:cNvSpPr txBox="1"/>
-          <p:nvPr/>
-        </p:nvSpPr>
-        <p:spPr>
-          <a:xfrm>
-            <a:off x="146750" y="982800"/>
-            <a:ext cx="8749420" cy="954107"/>
-          </a:xfrm>
-          <a:prstGeom prst="rect">
-            <a:avLst/>
-          </a:prstGeom>
-          <a:noFill/>
-        </p:spPr>
-        <p:txBody>
-          <a:bodyPr wrap="square" rtlCol="0">
-            <a:spAutoFit/>
-          </a:bodyPr>
-          <a:lstStyle/>
-          <a:p>
-            <a:r>
-              <a:rPr lang="de-DE" dirty="0" err="1"/>
-              <a:t>Faces</a:t>
-            </a:r>
-            <a:r>
-              <a:rPr lang="de-DE" dirty="0"/>
-              <a:t> </a:t>
-            </a:r>
-            <a:r>
-              <a:rPr lang="de-DE" dirty="0" err="1"/>
-              <a:t>found</a:t>
-            </a:r>
-            <a:r>
-              <a:rPr lang="de-DE" dirty="0"/>
-              <a:t>:  1</a:t>
-            </a:r>
-          </a:p>
-          <a:p>
-            <a:r>
-              <a:rPr lang="de-DE" dirty="0"/>
-              <a:t>(</a:t>
-            </a:r>
-            <a:r>
-              <a:rPr lang="de-DE" dirty="0" err="1"/>
-              <a:t>array</a:t>
-            </a:r>
-            <a:r>
-              <a:rPr lang="de-DE" dirty="0"/>
-              <a:t>([3,⎵6,⎵4,⎵0,⎵5,⎵1,⎵2],⎵</a:t>
-            </a:r>
-            <a:r>
-              <a:rPr lang="de-DE" dirty="0" err="1"/>
-              <a:t>dtype</a:t>
-            </a:r>
-            <a:r>
-              <a:rPr lang="de-DE" dirty="0"/>
-              <a:t>=int64),⎵</a:t>
-            </a:r>
-            <a:r>
-              <a:rPr lang="de-DE" dirty="0" err="1"/>
-              <a:t>array</a:t>
-            </a:r>
-            <a:r>
-              <a:rPr lang="de-DE" dirty="0"/>
-              <a:t>([</a:t>
-            </a:r>
-            <a:r>
-              <a:rPr lang="de-DE" dirty="0">
-                <a:solidFill>
-                  <a:schemeClr val="accent6">
-                    <a:lumMod val="75000"/>
-                  </a:schemeClr>
-                </a:solidFill>
-              </a:rPr>
-              <a:t>5.4954283e-04</a:t>
-            </a:r>
-            <a:r>
-              <a:rPr lang="de-DE" dirty="0"/>
-              <a:t>,⎵</a:t>
-            </a:r>
-            <a:r>
-              <a:rPr lang="de-DE" dirty="0">
-                <a:solidFill>
-                  <a:schemeClr val="bg2">
-                    <a:lumMod val="50000"/>
-                  </a:schemeClr>
-                </a:solidFill>
-              </a:rPr>
-              <a:t>3.3311819e-04</a:t>
-            </a:r>
-            <a:r>
-              <a:rPr lang="de-DE" dirty="0"/>
-              <a:t>,⎵</a:t>
-            </a:r>
-            <a:r>
-              <a:rPr lang="de-DE" dirty="0">
-                <a:solidFill>
-                  <a:schemeClr val="accent5">
-                    <a:lumMod val="75000"/>
-                  </a:schemeClr>
-                </a:solidFill>
-              </a:rPr>
-              <a:t>1.8420095e-04</a:t>
-            </a:r>
-            <a:r>
-              <a:rPr lang="de-DE" dirty="0"/>
-              <a:t>,⎵</a:t>
-            </a:r>
-            <a:r>
-              <a:rPr lang="de-DE" dirty="0">
-                <a:solidFill>
-                  <a:schemeClr val="accent1">
-                    <a:lumMod val="75000"/>
-                  </a:schemeClr>
-                </a:solidFill>
-              </a:rPr>
-              <a:t>9.7565746e-01</a:t>
-            </a:r>
-            <a:r>
-              <a:rPr lang="de-DE" dirty="0"/>
-              <a:t>,</a:t>
-            </a:r>
-          </a:p>
-          <a:p>
-            <a:r>
-              <a:rPr lang="de-DE" dirty="0"/>
-              <a:t>⎵⎵⎵⎵⎵⎵⎵</a:t>
-            </a:r>
-            <a:r>
-              <a:rPr lang="de-DE" dirty="0">
-                <a:solidFill>
-                  <a:schemeClr val="accent4">
-                    <a:lumMod val="75000"/>
-                  </a:schemeClr>
-                </a:solidFill>
-              </a:rPr>
-              <a:t>9.4697025e-04</a:t>
-            </a:r>
-            <a:r>
-              <a:rPr lang="de-DE" dirty="0"/>
-              <a:t>,⎵</a:t>
-            </a:r>
-            <a:r>
-              <a:rPr lang="de-DE" dirty="0">
-                <a:solidFill>
-                  <a:schemeClr val="accent3">
-                    <a:lumMod val="75000"/>
-                  </a:schemeClr>
-                </a:solidFill>
-              </a:rPr>
-              <a:t>5.0289807e-04</a:t>
-            </a:r>
-            <a:r>
-              <a:rPr lang="de-DE" dirty="0">
-                <a:solidFill>
-                  <a:schemeClr val="accent6">
-                    <a:lumMod val="75000"/>
-                  </a:schemeClr>
-                </a:solidFill>
-              </a:rPr>
-              <a:t>,⎵</a:t>
-            </a:r>
-            <a:r>
-              <a:rPr lang="de-DE" dirty="0">
-                <a:solidFill>
-                  <a:srgbClr val="C00000"/>
-                </a:solidFill>
-              </a:rPr>
-              <a:t>2.1825831e-02</a:t>
-            </a:r>
-            <a:r>
-              <a:rPr lang="de-DE" dirty="0"/>
-              <a:t>],⎵</a:t>
-            </a:r>
-            <a:r>
-              <a:rPr lang="de-DE" dirty="0" err="1"/>
-              <a:t>dtype</a:t>
-            </a:r>
-            <a:r>
-              <a:rPr lang="de-DE" dirty="0"/>
-              <a:t>=float32))</a:t>
-            </a:r>
-          </a:p>
-        </p:txBody>
-      </p:sp>
-      <p:sp>
-        <p:nvSpPr>
-          <p:cNvPr id="12" name="Textfeld 11">
-            <a:extLst>
-              <a:ext uri="{FF2B5EF4-FFF2-40B4-BE49-F238E27FC236}">
-                <a16:creationId xmlns:a16="http://schemas.microsoft.com/office/drawing/2014/main" id="{BE96A17C-FAC2-4E48-A01F-A8C39DD6C9DE}"/>
-              </a:ext>
-            </a:extLst>
-          </p:cNvPr>
-          <p:cNvSpPr txBox="1"/>
-          <p:nvPr/>
-        </p:nvSpPr>
-        <p:spPr>
-          <a:xfrm>
-            <a:off x="1547664" y="2859782"/>
-            <a:ext cx="184731" cy="307777"/>
-          </a:xfrm>
-          <a:prstGeom prst="rect">
-            <a:avLst/>
-          </a:prstGeom>
-          <a:noFill/>
-        </p:spPr>
-        <p:txBody>
-          <a:bodyPr wrap="square" rtlCol="0">
-            <a:spAutoFit/>
-          </a:bodyPr>
-          <a:lstStyle/>
-          <a:p>
-            <a:endParaRPr lang="de-DE" dirty="0"/>
-          </a:p>
-        </p:txBody>
-      </p:sp>
-      <p:sp>
-        <p:nvSpPr>
-          <p:cNvPr id="10" name="Rechteck 9">
-            <a:extLst>
-              <a:ext uri="{FF2B5EF4-FFF2-40B4-BE49-F238E27FC236}">
-                <a16:creationId xmlns:a16="http://schemas.microsoft.com/office/drawing/2014/main" id="{1E642548-5D9B-904E-9ABD-FAB57010B7C0}"/>
-              </a:ext>
-            </a:extLst>
-          </p:cNvPr>
-          <p:cNvSpPr/>
-          <p:nvPr/>
-        </p:nvSpPr>
-        <p:spPr>
-          <a:xfrm>
-            <a:off x="146750" y="2007000"/>
-            <a:ext cx="6408712" cy="2462213"/>
-          </a:xfrm>
-          <a:prstGeom prst="rect">
-            <a:avLst/>
-          </a:prstGeom>
-        </p:spPr>
-        <p:txBody>
-          <a:bodyPr wrap="square">
-            <a:spAutoFit/>
-          </a:bodyPr>
-          <a:lstStyle/>
-          <a:p>
-            <a:r>
-              <a:rPr lang="de-DE" dirty="0"/>
-              <a:t>(?&lt;SINGLE_PIC_OUTPUT&gt;\(</a:t>
-            </a:r>
-            <a:r>
-              <a:rPr lang="de-DE" dirty="0" err="1"/>
-              <a:t>ar+ay</a:t>
-            </a:r>
-            <a:r>
-              <a:rPr lang="de-DE" dirty="0"/>
-              <a:t>\(\[</a:t>
-            </a:r>
-          </a:p>
-          <a:p>
-            <a:r>
-              <a:rPr lang="de-DE" dirty="0"/>
-              <a:t>(?&lt;HIGHEST_EMO_INDEX&gt;[0-6])([,][ ]*[0-6])*\]</a:t>
-            </a:r>
-          </a:p>
-          <a:p>
-            <a:r>
-              <a:rPr lang="de-DE" dirty="0"/>
-              <a:t>[, </a:t>
-            </a:r>
-            <a:r>
-              <a:rPr lang="de-DE" dirty="0" err="1"/>
-              <a:t>dtype</a:t>
-            </a:r>
-            <a:r>
-              <a:rPr lang="de-DE" dirty="0"/>
-              <a:t>=</a:t>
-            </a:r>
-            <a:r>
-              <a:rPr lang="de-DE" dirty="0" err="1"/>
-              <a:t>int</a:t>
-            </a:r>
-            <a:r>
-              <a:rPr lang="de-DE" dirty="0"/>
-              <a:t>[32|64]*]*\)[,][ ]*</a:t>
-            </a:r>
-          </a:p>
-          <a:p>
-            <a:r>
-              <a:rPr lang="de-DE" dirty="0"/>
-              <a:t>(?&lt;EMO_WEIGHT_ARRAY&gt;</a:t>
-            </a:r>
-            <a:r>
-              <a:rPr lang="de-DE" dirty="0" err="1"/>
-              <a:t>ar+ay</a:t>
-            </a:r>
-            <a:r>
-              <a:rPr lang="de-DE" dirty="0"/>
-              <a:t>\(\[</a:t>
-            </a:r>
-          </a:p>
-          <a:p>
-            <a:r>
-              <a:rPr lang="de-DE" dirty="0">
-                <a:solidFill>
-                  <a:schemeClr val="accent6">
-                    <a:lumMod val="75000"/>
-                  </a:schemeClr>
-                </a:solidFill>
-              </a:rPr>
-              <a:t>(?&lt;EMO_WEIGHT_ARRAY0&gt;[0-9]*[.]*[0-9]*[</a:t>
-            </a:r>
-            <a:r>
-              <a:rPr lang="de-DE" dirty="0" err="1">
-                <a:solidFill>
-                  <a:schemeClr val="accent6">
-                    <a:lumMod val="75000"/>
-                  </a:schemeClr>
-                </a:solidFill>
-              </a:rPr>
-              <a:t>e</a:t>
-            </a:r>
-            <a:r>
-              <a:rPr lang="de-DE" dirty="0">
-                <a:solidFill>
-                  <a:schemeClr val="accent6">
-                    <a:lumMod val="75000"/>
-                  </a:schemeClr>
-                </a:solidFill>
-              </a:rPr>
-              <a:t>]*[-|+]*[0-9]*)</a:t>
-            </a:r>
-            <a:r>
-              <a:rPr lang="de-DE" dirty="0"/>
-              <a:t>[,][ ]*</a:t>
-            </a:r>
-          </a:p>
-          <a:p>
-            <a:r>
-              <a:rPr lang="de-DE" dirty="0">
-                <a:solidFill>
-                  <a:schemeClr val="bg2">
-                    <a:lumMod val="50000"/>
-                  </a:schemeClr>
-                </a:solidFill>
-              </a:rPr>
-              <a:t>(?&lt;EMO_WEIGHT_ARRAY1&gt;[0-9]*[.]*[0-9]*[</a:t>
-            </a:r>
-            <a:r>
-              <a:rPr lang="de-DE" dirty="0" err="1">
-                <a:solidFill>
-                  <a:schemeClr val="bg2">
-                    <a:lumMod val="50000"/>
-                  </a:schemeClr>
-                </a:solidFill>
-              </a:rPr>
-              <a:t>e</a:t>
-            </a:r>
-            <a:r>
-              <a:rPr lang="de-DE" dirty="0">
-                <a:solidFill>
-                  <a:schemeClr val="bg2">
-                    <a:lumMod val="50000"/>
-                  </a:schemeClr>
-                </a:solidFill>
-              </a:rPr>
-              <a:t>]*[-|+]*[0-9]*)</a:t>
-            </a:r>
-            <a:r>
-              <a:rPr lang="de-DE" dirty="0"/>
-              <a:t>[,][ ]*</a:t>
-            </a:r>
-          </a:p>
-          <a:p>
-            <a:r>
-              <a:rPr lang="de-DE" dirty="0">
-                <a:solidFill>
-                  <a:schemeClr val="accent5">
-                    <a:lumMod val="75000"/>
-                  </a:schemeClr>
-                </a:solidFill>
-              </a:rPr>
-              <a:t>(?&lt;EMO_WEIGHT_ARRAY2&gt;[0-9]*[.]*[0-9]*[</a:t>
-            </a:r>
-            <a:r>
-              <a:rPr lang="de-DE" dirty="0" err="1">
-                <a:solidFill>
-                  <a:schemeClr val="accent5">
-                    <a:lumMod val="75000"/>
-                  </a:schemeClr>
-                </a:solidFill>
-              </a:rPr>
-              <a:t>e</a:t>
-            </a:r>
-            <a:r>
-              <a:rPr lang="de-DE" dirty="0">
-                <a:solidFill>
-                  <a:schemeClr val="accent5">
-                    <a:lumMod val="75000"/>
-                  </a:schemeClr>
-                </a:solidFill>
-              </a:rPr>
-              <a:t>]*[-|+]*[0-9]*)</a:t>
-            </a:r>
-            <a:r>
-              <a:rPr lang="de-DE" dirty="0"/>
-              <a:t>[,][ ]*</a:t>
-            </a:r>
-          </a:p>
-          <a:p>
-            <a:r>
-              <a:rPr lang="de-DE" dirty="0">
-                <a:solidFill>
-                  <a:schemeClr val="accent1">
-                    <a:lumMod val="75000"/>
-                  </a:schemeClr>
-                </a:solidFill>
-              </a:rPr>
-              <a:t>(?&lt;EMO_WEIGHT_ARRAY3&gt;[0-9]*[.]*[0-9]*[</a:t>
-            </a:r>
-            <a:r>
-              <a:rPr lang="de-DE" dirty="0" err="1">
-                <a:solidFill>
-                  <a:schemeClr val="accent1">
-                    <a:lumMod val="75000"/>
-                  </a:schemeClr>
-                </a:solidFill>
-              </a:rPr>
-              <a:t>e</a:t>
-            </a:r>
-            <a:r>
-              <a:rPr lang="de-DE" dirty="0">
-                <a:solidFill>
-                  <a:schemeClr val="accent1">
-                    <a:lumMod val="75000"/>
-                  </a:schemeClr>
-                </a:solidFill>
-              </a:rPr>
-              <a:t>]*[-|+]*[0-9]*)</a:t>
-            </a:r>
-            <a:r>
-              <a:rPr lang="de-DE" dirty="0"/>
-              <a:t>[,][ ]*</a:t>
-            </a:r>
-          </a:p>
-          <a:p>
-            <a:r>
-              <a:rPr lang="de-DE" dirty="0">
-                <a:solidFill>
-                  <a:schemeClr val="accent4">
-                    <a:lumMod val="75000"/>
-                  </a:schemeClr>
-                </a:solidFill>
-              </a:rPr>
-              <a:t>(?&lt;EMO_WEIGHT_ARRAY4&gt;[0-9]*[.]*[0-9]*[</a:t>
-            </a:r>
-            <a:r>
-              <a:rPr lang="de-DE" dirty="0" err="1">
-                <a:solidFill>
-                  <a:schemeClr val="accent4">
-                    <a:lumMod val="75000"/>
-                  </a:schemeClr>
-                </a:solidFill>
-              </a:rPr>
-              <a:t>e</a:t>
-            </a:r>
-            <a:r>
-              <a:rPr lang="de-DE" dirty="0">
-                <a:solidFill>
-                  <a:schemeClr val="accent4">
-                    <a:lumMod val="75000"/>
-                  </a:schemeClr>
-                </a:solidFill>
-              </a:rPr>
-              <a:t>]*[-|+]*[0-9]*)</a:t>
-            </a:r>
-            <a:r>
-              <a:rPr lang="de-DE" dirty="0"/>
-              <a:t>[,][ ]*</a:t>
-            </a:r>
-          </a:p>
-          <a:p>
-            <a:r>
-              <a:rPr lang="de-DE" dirty="0">
-                <a:solidFill>
-                  <a:schemeClr val="accent3">
-                    <a:lumMod val="75000"/>
-                  </a:schemeClr>
-                </a:solidFill>
-              </a:rPr>
-              <a:t>(?&lt;EMO_WEIGHT_ARRAY5&gt;[0-9]*[.]*[0-9]*[</a:t>
-            </a:r>
-            <a:r>
-              <a:rPr lang="de-DE" dirty="0" err="1">
-                <a:solidFill>
-                  <a:schemeClr val="accent3">
-                    <a:lumMod val="75000"/>
-                  </a:schemeClr>
-                </a:solidFill>
-              </a:rPr>
-              <a:t>e</a:t>
-            </a:r>
-            <a:r>
-              <a:rPr lang="de-DE" dirty="0">
-                <a:solidFill>
-                  <a:schemeClr val="accent3">
-                    <a:lumMod val="75000"/>
-                  </a:schemeClr>
-                </a:solidFill>
-              </a:rPr>
-              <a:t>]*[-|+]*[0-9]*)</a:t>
-            </a:r>
-            <a:r>
-              <a:rPr lang="de-DE" dirty="0"/>
-              <a:t>[,][ ]*</a:t>
-            </a:r>
-          </a:p>
-          <a:p>
-            <a:r>
-              <a:rPr lang="de-DE" dirty="0">
-                <a:solidFill>
-                  <a:srgbClr val="C00000"/>
-                </a:solidFill>
-              </a:rPr>
-              <a:t>(?&lt;EMO_WEIGHT_ARRAY6&gt;[0-9]*[.]*[0-9]*[</a:t>
-            </a:r>
-            <a:r>
-              <a:rPr lang="de-DE" dirty="0" err="1">
-                <a:solidFill>
-                  <a:srgbClr val="C00000"/>
-                </a:solidFill>
-              </a:rPr>
-              <a:t>e</a:t>
-            </a:r>
-            <a:r>
-              <a:rPr lang="de-DE" dirty="0">
-                <a:solidFill>
-                  <a:srgbClr val="C00000"/>
-                </a:solidFill>
-              </a:rPr>
-              <a:t>]*[-|+]*[0-9]*)))</a:t>
-            </a:r>
-          </a:p>
-        </p:txBody>
-      </p:sp>
-    </p:spTree>
-    <p:extLst>
-      <p:ext uri="{BB962C8B-B14F-4D97-AF65-F5344CB8AC3E}">
-        <p14:creationId xmlns:p14="http://schemas.microsoft.com/office/powerpoint/2010/main" val="4124079312"/>
-      </p:ext>
-    </p:extLst>
-  </p:cSld>
-  <p:clrMapOvr>
-    <a:masterClrMapping/>
-  </p:clrMapOvr>
-</p:sld>
-</file>
-
-<file path=ppt/slides/slide6.xml><?xml version="1.0" encoding="utf-8"?>
-<p:sld xmlns:a="http://schemas.openxmlformats.org/drawingml/2006/main" xmlns:r="http://schemas.openxmlformats.org/officeDocument/2006/relationships" xmlns:p="http://schemas.openxmlformats.org/presentationml/2006/main">
-  <p:cSld>
-    <p:spTree>
-      <p:nvGrpSpPr>
-        <p:cNvPr id="1" name=""/>
-        <p:cNvGrpSpPr/>
-        <p:nvPr/>
-      </p:nvGrpSpPr>
-      <p:grpSpPr>
-        <a:xfrm>
-          <a:off x="0" y="0"/>
-          <a:ext cx="0" cy="0"/>
-          <a:chOff x="0" y="0"/>
-          <a:chExt cx="0" cy="0"/>
-        </a:xfrm>
-      </p:grpSpPr>
-      <p:sp>
-        <p:nvSpPr>
-          <p:cNvPr id="2" name="Datumsplatzhalter 1"/>
-          <p:cNvSpPr>
-            <a:spLocks noGrp="1"/>
-          </p:cNvSpPr>
-          <p:nvPr>
-            <p:ph type="dt" sz="half" idx="10"/>
-          </p:nvPr>
-        </p:nvSpPr>
-        <p:spPr/>
-        <p:txBody>
-          <a:bodyPr/>
-          <a:lstStyle/>
-          <a:p>
-            <a:r>
-              <a:rPr lang="de-DE"/>
-              <a:t>14.07.2016</a:t>
-            </a:r>
-            <a:endParaRPr lang="de-DE" dirty="0"/>
-          </a:p>
-        </p:txBody>
-      </p:sp>
-      <p:sp>
-        <p:nvSpPr>
-          <p:cNvPr id="3" name="Fußzeilenplatzhalter 2"/>
-          <p:cNvSpPr>
-            <a:spLocks noGrp="1"/>
-          </p:cNvSpPr>
-          <p:nvPr>
-            <p:ph type="ftr" sz="quarter" idx="11"/>
-          </p:nvPr>
-        </p:nvSpPr>
-        <p:spPr/>
-        <p:txBody>
-          <a:bodyPr/>
-          <a:lstStyle/>
-          <a:p>
-            <a:r>
-              <a:rPr lang="de-DE"/>
-              <a:t>Vorlagen PPT der OTH Regensburg - Format 16x9</a:t>
-            </a:r>
-            <a:endParaRPr lang="de-DE" dirty="0"/>
-          </a:p>
-        </p:txBody>
-      </p:sp>
-      <p:sp>
-        <p:nvSpPr>
-          <p:cNvPr id="4" name="Foliennummernplatzhalter 3"/>
-          <p:cNvSpPr>
-            <a:spLocks noGrp="1"/>
-          </p:cNvSpPr>
-          <p:nvPr>
-            <p:ph type="sldNum" sz="quarter" idx="12"/>
-          </p:nvPr>
-        </p:nvSpPr>
-        <p:spPr/>
-        <p:txBody>
-          <a:bodyPr/>
-          <a:lstStyle/>
-          <a:p>
-            <a:r>
-              <a:rPr lang="de-DE"/>
-              <a:t>S. </a:t>
-            </a:r>
-            <a:fld id="{D7EFD9E5-FB44-4C01-A2C2-48348664E7CC}" type="slidenum">
-              <a:rPr lang="de-DE" smtClean="0"/>
-              <a:pPr/>
-              <a:t>6</a:t>
             </a:fld>
             <a:endParaRPr lang="de-DE" dirty="0"/>
           </a:p>
@@ -10489,8 +8409,8 @@
         </p:nvSpPr>
         <p:spPr>
           <a:xfrm>
-            <a:off x="3804000" y="1675547"/>
-            <a:ext cx="1535998" cy="307777"/>
+            <a:off x="2928431" y="1448658"/>
+            <a:ext cx="3273653" cy="584775"/>
           </a:xfrm>
           <a:prstGeom prst="rect">
             <a:avLst/>
@@ -10504,7 +8424,7 @@
           <a:lstStyle/>
           <a:p>
             <a:r>
-              <a:rPr lang="de-DE" dirty="0">
+              <a:rPr lang="de-DE" sz="3200" dirty="0">
                 <a:solidFill>
                   <a:srgbClr val="C00000"/>
                 </a:solidFill>
@@ -10512,7 +8432,7 @@
               <a:t>5</a:t>
             </a:r>
             <a:r>
-              <a:rPr lang="de-DE" dirty="0">
+              <a:rPr lang="de-DE" sz="3200" dirty="0">
                 <a:solidFill>
                   <a:schemeClr val="accent5">
                     <a:lumMod val="60000"/>
@@ -10523,7 +8443,7 @@
               <a:t>.</a:t>
             </a:r>
             <a:r>
-              <a:rPr lang="de-DE" dirty="0">
+              <a:rPr lang="de-DE" sz="3200" dirty="0">
                 <a:solidFill>
                   <a:schemeClr val="accent4">
                     <a:lumMod val="75000"/>
@@ -10533,7 +8453,7 @@
               <a:t>4954283</a:t>
             </a:r>
             <a:r>
-              <a:rPr lang="de-DE" dirty="0">
+              <a:rPr lang="de-DE" sz="3200" dirty="0">
                 <a:solidFill>
                   <a:schemeClr val="accent1">
                     <a:lumMod val="75000"/>
@@ -10543,7 +8463,7 @@
               <a:t>e</a:t>
             </a:r>
             <a:r>
-              <a:rPr lang="de-DE" dirty="0">
+              <a:rPr lang="de-DE" sz="3200" dirty="0">
                 <a:solidFill>
                   <a:srgbClr val="00B050"/>
                 </a:solidFill>
@@ -10551,7 +8471,7 @@
               <a:t>-</a:t>
             </a:r>
             <a:r>
-              <a:rPr lang="de-DE" dirty="0">
+              <a:rPr lang="de-DE" sz="3200" dirty="0">
                 <a:solidFill>
                   <a:schemeClr val="accent2"/>
                 </a:solidFill>
@@ -10575,8 +8495,8 @@
         </p:nvSpPr>
         <p:spPr>
           <a:xfrm>
-            <a:off x="1960547" y="2571750"/>
-            <a:ext cx="5222905" cy="307777"/>
+            <a:off x="1674082" y="2715766"/>
+            <a:ext cx="5782352" cy="584775"/>
           </a:xfrm>
           <a:prstGeom prst="rect">
             <a:avLst/>
@@ -10590,19 +8510,7 @@
           <a:lstStyle/>
           <a:p>
             <a:r>
-              <a:rPr lang="de-DE" dirty="0"/>
-              <a:t>(?&lt;EMO_WEIGHT</a:t>
-            </a:r>
-            <a:r>
-              <a:rPr lang="de-DE"/>
-              <a:t>_ARRAY 0</a:t>
-            </a:r>
-            <a:r>
-              <a:rPr lang="de-DE" dirty="0"/>
-              <a:t>&gt;</a:t>
-            </a:r>
-            <a:r>
-              <a:rPr lang="de-DE" dirty="0">
+              <a:rPr lang="de-DE" sz="3200" dirty="0">
                 <a:solidFill>
                   <a:srgbClr val="C00000"/>
                 </a:solidFill>
@@ -10610,7 +8518,7 @@
               <a:t>[0-9]*</a:t>
             </a:r>
             <a:r>
-              <a:rPr lang="de-DE" dirty="0">
+              <a:rPr lang="de-DE" sz="3200" dirty="0">
                 <a:solidFill>
                   <a:schemeClr val="accent5">
                     <a:lumMod val="60000"/>
@@ -10621,7 +8529,7 @@
               <a:t>[.]*</a:t>
             </a:r>
             <a:r>
-              <a:rPr lang="de-DE" dirty="0">
+              <a:rPr lang="de-DE" sz="3200" dirty="0">
                 <a:solidFill>
                   <a:schemeClr val="accent4">
                     <a:lumMod val="75000"/>
@@ -10631,7 +8539,7 @@
               <a:t>[0-9]*</a:t>
             </a:r>
             <a:r>
-              <a:rPr lang="de-DE" dirty="0">
+              <a:rPr lang="de-DE" sz="3200" dirty="0">
                 <a:solidFill>
                   <a:schemeClr val="accent1">
                     <a:lumMod val="75000"/>
@@ -10641,7 +8549,7 @@
               <a:t>[</a:t>
             </a:r>
             <a:r>
-              <a:rPr lang="de-DE" dirty="0" err="1">
+              <a:rPr lang="de-DE" sz="3200" dirty="0" err="1">
                 <a:solidFill>
                   <a:schemeClr val="accent1">
                     <a:lumMod val="75000"/>
@@ -10651,7 +8559,7 @@
               <a:t>e</a:t>
             </a:r>
             <a:r>
-              <a:rPr lang="de-DE" dirty="0">
+              <a:rPr lang="de-DE" sz="3200" dirty="0">
                 <a:solidFill>
                   <a:schemeClr val="accent1">
                     <a:lumMod val="75000"/>
@@ -10661,7 +8569,7 @@
               <a:t>]*</a:t>
             </a:r>
             <a:r>
-              <a:rPr lang="de-DE" dirty="0">
+              <a:rPr lang="de-DE" sz="3200" dirty="0">
                 <a:solidFill>
                   <a:srgbClr val="00B050"/>
                 </a:solidFill>
@@ -10669,17 +8577,14 @@
               <a:t>[-|+]*</a:t>
             </a:r>
             <a:r>
-              <a:rPr lang="de-DE" dirty="0">
+              <a:rPr lang="de-DE" sz="3200" dirty="0">
                 <a:solidFill>
                   <a:schemeClr val="accent2"/>
                 </a:solidFill>
               </a:rPr>
               <a:t>[0-9]*</a:t>
             </a:r>
-            <a:r>
-              <a:rPr lang="de-DE" dirty="0"/>
-              <a:t>)</a:t>
-            </a:r>
+            <a:endParaRPr lang="de-DE" sz="3200" dirty="0"/>
           </a:p>
         </p:txBody>
       </p:sp>
@@ -11540,12 +9445,9 @@
 </file>
 
 <file path=customXml/item1.xml><?xml version="1.0" encoding="utf-8"?>
-<?mso-contentType ?>
-<FormTemplates xmlns="http://schemas.microsoft.com/sharepoint/v3/contenttype/forms">
-  <Display>DocumentLibraryForm</Display>
-  <Edit>DocumentLibraryForm</Edit>
-  <New>DocumentLibraryForm</New>
-</FormTemplates>
+<p:properties xmlns:p="http://schemas.microsoft.com/office/2006/metadata/properties" xmlns:xsi="http://www.w3.org/2001/XMLSchema-instance" xmlns:pc="http://schemas.microsoft.com/office/infopath/2007/PartnerControls">
+  <documentManagement/>
+</p:properties>
 </file>
 
 <file path=customXml/item2.xml><?xml version="1.0" encoding="utf-8"?>
@@ -11663,15 +9565,25 @@
 </file>
 
 <file path=customXml/item3.xml><?xml version="1.0" encoding="utf-8"?>
-<p:properties xmlns:p="http://schemas.microsoft.com/office/2006/metadata/properties" xmlns:xsi="http://www.w3.org/2001/XMLSchema-instance" xmlns:pc="http://schemas.microsoft.com/office/infopath/2007/PartnerControls">
-  <documentManagement/>
-</p:properties>
+<?mso-contentType ?>
+<FormTemplates xmlns="http://schemas.microsoft.com/sharepoint/v3/contenttype/forms">
+  <Display>DocumentLibraryForm</Display>
+  <Edit>DocumentLibraryForm</Edit>
+  <New>DocumentLibraryForm</New>
+</FormTemplates>
 </file>
 
 <file path=customXml/itemProps1.xml><?xml version="1.0" encoding="utf-8"?>
-<ds:datastoreItem xmlns:ds="http://schemas.openxmlformats.org/officeDocument/2006/customXml" ds:itemID="{20CAF0C3-C893-4631-969E-805C1C12F17E}">
+<ds:datastoreItem xmlns:ds="http://schemas.openxmlformats.org/officeDocument/2006/customXml" ds:itemID="{6F65AD01-48E5-4010-AD48-B7D7CFBD789F}">
   <ds:schemaRefs>
-    <ds:schemaRef ds:uri="http://schemas.microsoft.com/sharepoint/v3/contenttype/forms"/>
+    <ds:schemaRef ds:uri="http://schemas.microsoft.com/office/2006/documentManagement/types"/>
+    <ds:schemaRef ds:uri="http://schemas.microsoft.com/office/infopath/2007/PartnerControls"/>
+    <ds:schemaRef ds:uri="http://www.w3.org/XML/1998/namespace"/>
+    <ds:schemaRef ds:uri="http://schemas.microsoft.com/office/2006/metadata/properties"/>
+    <ds:schemaRef ds:uri="http://purl.org/dc/elements/1.1/"/>
+    <ds:schemaRef ds:uri="http://purl.org/dc/dcmitype/"/>
+    <ds:schemaRef ds:uri="http://schemas.openxmlformats.org/package/2006/metadata/core-properties"/>
+    <ds:schemaRef ds:uri="http://purl.org/dc/terms/"/>
   </ds:schemaRefs>
 </ds:datastoreItem>
 </file>
@@ -11693,16 +9605,9 @@
 </file>
 
 <file path=customXml/itemProps3.xml><?xml version="1.0" encoding="utf-8"?>
-<ds:datastoreItem xmlns:ds="http://schemas.openxmlformats.org/officeDocument/2006/customXml" ds:itemID="{6F65AD01-48E5-4010-AD48-B7D7CFBD789F}">
+<ds:datastoreItem xmlns:ds="http://schemas.openxmlformats.org/officeDocument/2006/customXml" ds:itemID="{20CAF0C3-C893-4631-969E-805C1C12F17E}">
   <ds:schemaRefs>
-    <ds:schemaRef ds:uri="http://schemas.microsoft.com/office/2006/documentManagement/types"/>
-    <ds:schemaRef ds:uri="http://schemas.microsoft.com/office/infopath/2007/PartnerControls"/>
-    <ds:schemaRef ds:uri="http://www.w3.org/XML/1998/namespace"/>
-    <ds:schemaRef ds:uri="http://schemas.microsoft.com/office/2006/metadata/properties"/>
-    <ds:schemaRef ds:uri="http://purl.org/dc/elements/1.1/"/>
-    <ds:schemaRef ds:uri="http://purl.org/dc/dcmitype/"/>
-    <ds:schemaRef ds:uri="http://schemas.openxmlformats.org/package/2006/metadata/core-properties"/>
-    <ds:schemaRef ds:uri="http://purl.org/dc/terms/"/>
+    <ds:schemaRef ds:uri="http://schemas.microsoft.com/sharepoint/v3/contenttype/forms"/>
   </ds:schemaRefs>
 </ds:datastoreItem>
 </file>